--- a/analysis_of_attention_bandits.pptx
+++ b/analysis_of_attention_bandits.pptx
@@ -15,14 +15,17 @@
     <p:sldId id="260" r:id="rId10"/>
     <p:sldId id="261" r:id="rId11"/>
     <p:sldId id="262" r:id="rId12"/>
+    <p:sldId id="263" r:id="rId13"/>
+    <p:sldId id="264" r:id="rId14"/>
+    <p:sldId id="265" r:id="rId15"/>
   </p:sldIdLst>
   <p:sldSz cy="10287000" cx="18288000"/>
   <p:notesSz cx="6858000" cy="9144000"/>
   <p:embeddedFontLst>
     <p:embeddedFont>
       <p:font typeface="Space Mono"/>
-      <p:bold r:id="rId13"/>
-      <p:boldItalic r:id="rId14"/>
+      <p:bold r:id="rId16"/>
+      <p:boldItalic r:id="rId17"/>
     </p:embeddedFont>
   </p:embeddedFontLst>
   <p:defaultTextStyle>
@@ -270,7 +273,7 @@
       </p15:sldGuideLst>
     </p:ext>
     <p:ext uri="GoogleSlidesCustomDataVersion2">
-      <go:slidesCustomData xmlns:go="http://customooxmlschemas.google.com/" r:id="rId15" roundtripDataSignature="AMtx7miFN5E99ifnKR9BTR/+Yv/g6P3Ivg=="/>
+      <go:slidesCustomData xmlns:go="http://customooxmlschemas.google.com/" r:id="rId18" roundtripDataSignature="AMtx7mhUPwqfB2aCceHS8tYhEMz/yz/MeA=="/>
     </p:ext>
   </p:extLst>
 </p:presentation>
@@ -801,6 +804,105 @@
 </p:notes>
 </file>
 
+<file path=ppt/notesSlides/notesSlide10.xml><?xml version="1.0" encoding="utf-8"?>
+<p:notes xmlns:a="http://schemas.openxmlformats.org/drawingml/2006/main" xmlns:r="http://schemas.openxmlformats.org/officeDocument/2006/relationships" xmlns:mc="http://schemas.openxmlformats.org/markup-compatibility/2006" xmlns:mv="urn:schemas-microsoft-com:mac:vml" xmlns:p="http://schemas.openxmlformats.org/presentationml/2006/main" xmlns:c="http://schemas.openxmlformats.org/drawingml/2006/chart" xmlns:dgm="http://schemas.openxmlformats.org/drawingml/2006/diagram" xmlns:o="urn:schemas-microsoft-com:office:office" xmlns:v="urn:schemas-microsoft-com:vml" xmlns:pvml="urn:schemas-microsoft-com:office:powerpoint" xmlns:com="http://schemas.openxmlformats.org/drawingml/2006/compatibility" xmlns:p14="http://schemas.microsoft.com/office/powerpoint/2010/main" xmlns:p15="http://schemas.microsoft.com/office/powerpoint/2012/main" xmlns:ahyp="http://schemas.microsoft.com/office/drawing/2018/hyperlinkcolor" showMasterPhAnim="0" showMasterSp="0">
+  <p:cSld>
+    <p:spTree>
+      <p:nvGrpSpPr>
+        <p:cNvPr id="187" name="Shape 187"/>
+        <p:cNvGrpSpPr/>
+        <p:nvPr/>
+      </p:nvGrpSpPr>
+      <p:grpSpPr>
+        <a:xfrm>
+          <a:off x="0" y="0"/>
+          <a:ext cx="0" cy="0"/>
+          <a:chOff x="0" y="0"/>
+          <a:chExt cx="0" cy="0"/>
+        </a:xfrm>
+      </p:grpSpPr>
+      <p:sp>
+        <p:nvSpPr>
+          <p:cNvPr id="188" name="Google Shape;188;p7:notes"/>
+          <p:cNvSpPr txBox="1"/>
+          <p:nvPr>
+            <p:ph idx="1" type="body"/>
+          </p:nvPr>
+        </p:nvSpPr>
+        <p:spPr>
+          <a:xfrm>
+            <a:off x="685800" y="4343400"/>
+            <a:ext cx="5486400" cy="4114800"/>
+          </a:xfrm>
+          <a:prstGeom prst="rect">
+            <a:avLst/>
+          </a:prstGeom>
+        </p:spPr>
+        <p:txBody>
+          <a:bodyPr anchorCtr="0" anchor="t" bIns="91425" lIns="91425" spcFirstLastPara="1" rIns="91425" wrap="square" tIns="91425">
+            <a:noAutofit/>
+          </a:bodyPr>
+          <a:lstStyle/>
+          <a:p>
+            <a:pPr indent="0" lvl="0" marL="0" rtl="0" algn="l">
+              <a:spcBef>
+                <a:spcPts val="0"/>
+              </a:spcBef>
+              <a:spcAft>
+                <a:spcPts val="0"/>
+              </a:spcAft>
+              <a:buNone/>
+            </a:pPr>
+            <a:r>
+              <a:t/>
+            </a:r>
+            <a:endParaRPr/>
+          </a:p>
+        </p:txBody>
+      </p:sp>
+      <p:sp>
+        <p:nvSpPr>
+          <p:cNvPr id="189" name="Google Shape;189;p7:notes"/>
+          <p:cNvSpPr/>
+          <p:nvPr>
+            <p:ph idx="2" type="sldImg"/>
+          </p:nvPr>
+        </p:nvSpPr>
+        <p:spPr>
+          <a:xfrm>
+            <a:off x="1143225" y="685800"/>
+            <a:ext cx="4572225" cy="3429000"/>
+          </a:xfrm>
+          <a:custGeom>
+            <a:rect b="b" l="l" r="r" t="t"/>
+            <a:pathLst>
+              <a:path extrusionOk="0" h="120000" w="120000">
+                <a:moveTo>
+                  <a:pt x="0" y="0"/>
+                </a:moveTo>
+                <a:lnTo>
+                  <a:pt x="120000" y="0"/>
+                </a:lnTo>
+                <a:lnTo>
+                  <a:pt x="120000" y="120000"/>
+                </a:lnTo>
+                <a:lnTo>
+                  <a:pt x="0" y="120000"/>
+                </a:lnTo>
+                <a:close/>
+              </a:path>
+            </a:pathLst>
+          </a:custGeom>
+        </p:spPr>
+      </p:sp>
+    </p:spTree>
+  </p:cSld>
+  <p:clrMapOvr>
+    <a:masterClrMapping/>
+  </p:clrMapOvr>
+</p:notes>
+</file>
+
 <file path=ppt/notesSlides/notesSlide2.xml><?xml version="1.0" encoding="utf-8"?>
 <p:notes xmlns:a="http://schemas.openxmlformats.org/drawingml/2006/main" xmlns:r="http://schemas.openxmlformats.org/officeDocument/2006/relationships" xmlns:mc="http://schemas.openxmlformats.org/markup-compatibility/2006" xmlns:mv="urn:schemas-microsoft-com:mac:vml" xmlns:p="http://schemas.openxmlformats.org/presentationml/2006/main" xmlns:c="http://schemas.openxmlformats.org/drawingml/2006/chart" xmlns:dgm="http://schemas.openxmlformats.org/drawingml/2006/diagram" xmlns:o="urn:schemas-microsoft-com:office:office" xmlns:v="urn:schemas-microsoft-com:vml" xmlns:pvml="urn:schemas-microsoft-com:office:powerpoint" xmlns:com="http://schemas.openxmlformats.org/drawingml/2006/compatibility" xmlns:p14="http://schemas.microsoft.com/office/powerpoint/2010/main" xmlns:p15="http://schemas.microsoft.com/office/powerpoint/2012/main" xmlns:ahyp="http://schemas.microsoft.com/office/drawing/2018/hyperlinkcolor" showMasterPhAnim="0" showMasterSp="0">
   <p:cSld>
@@ -1004,7 +1106,7 @@
   <p:cSld>
     <p:spTree>
       <p:nvGrpSpPr>
-        <p:cNvPr id="121" name="Shape 121"/>
+        <p:cNvPr id="126" name="Shape 126"/>
         <p:cNvGrpSpPr/>
         <p:nvPr/>
       </p:nvGrpSpPr>
@@ -1018,7 +1120,7 @@
       </p:grpSpPr>
       <p:sp>
         <p:nvSpPr>
-          <p:cNvPr id="122" name="Google Shape;122;p4:notes"/>
+          <p:cNvPr id="127" name="Google Shape;127;p4:notes"/>
           <p:cNvSpPr txBox="1"/>
           <p:nvPr>
             <p:ph idx="1" type="body"/>
@@ -1057,7 +1159,7 @@
       </p:sp>
       <p:sp>
         <p:nvSpPr>
-          <p:cNvPr id="123" name="Google Shape;123;p4:notes"/>
+          <p:cNvPr id="128" name="Google Shape;128;p4:notes"/>
           <p:cNvSpPr/>
           <p:nvPr>
             <p:ph idx="2" type="sldImg"/>
@@ -1103,7 +1205,7 @@
   <p:cSld>
     <p:spTree>
       <p:nvGrpSpPr>
-        <p:cNvPr id="132" name="Shape 132"/>
+        <p:cNvPr id="137" name="Shape 137"/>
         <p:cNvGrpSpPr/>
         <p:nvPr/>
       </p:nvGrpSpPr>
@@ -1117,7 +1219,7 @@
       </p:grpSpPr>
       <p:sp>
         <p:nvSpPr>
-          <p:cNvPr id="133" name="Google Shape;133;p5:notes"/>
+          <p:cNvPr id="138" name="Google Shape;138;p5:notes"/>
           <p:cNvSpPr txBox="1"/>
           <p:nvPr>
             <p:ph idx="1" type="body"/>
@@ -1156,7 +1258,7 @@
       </p:sp>
       <p:sp>
         <p:nvSpPr>
-          <p:cNvPr id="134" name="Google Shape;134;p5:notes"/>
+          <p:cNvPr id="139" name="Google Shape;139;p5:notes"/>
           <p:cNvSpPr/>
           <p:nvPr>
             <p:ph idx="2" type="sldImg"/>
@@ -1202,7 +1304,7 @@
   <p:cSld>
     <p:spTree>
       <p:nvGrpSpPr>
-        <p:cNvPr id="142" name="Shape 142"/>
+        <p:cNvPr id="147" name="Shape 147"/>
         <p:cNvGrpSpPr/>
         <p:nvPr/>
       </p:nvGrpSpPr>
@@ -1216,7 +1318,7 @@
       </p:grpSpPr>
       <p:sp>
         <p:nvSpPr>
-          <p:cNvPr id="143" name="Google Shape;143;p6:notes"/>
+          <p:cNvPr id="148" name="Google Shape;148;g31700e3cd0e_0_51:notes"/>
           <p:cNvSpPr txBox="1"/>
           <p:nvPr>
             <p:ph idx="1" type="body"/>
@@ -1255,7 +1357,7 @@
       </p:sp>
       <p:sp>
         <p:nvSpPr>
-          <p:cNvPr id="144" name="Google Shape;144;p6:notes"/>
+          <p:cNvPr id="149" name="Google Shape;149;g31700e3cd0e_0_51:notes"/>
           <p:cNvSpPr/>
           <p:nvPr>
             <p:ph idx="2" type="sldImg"/>
@@ -1264,7 +1366,7 @@
         <p:spPr>
           <a:xfrm>
             <a:off x="1143225" y="685800"/>
-            <a:ext cx="4572225" cy="3429000"/>
+            <a:ext cx="4572300" cy="3429000"/>
           </a:xfrm>
           <a:custGeom>
             <a:rect b="b" l="l" r="r" t="t"/>
@@ -1301,7 +1403,7 @@
   <p:cSld>
     <p:spTree>
       <p:nvGrpSpPr>
-        <p:cNvPr id="152" name="Shape 152"/>
+        <p:cNvPr id="158" name="Shape 158"/>
         <p:cNvGrpSpPr/>
         <p:nvPr/>
       </p:nvGrpSpPr>
@@ -1315,7 +1417,7 @@
       </p:grpSpPr>
       <p:sp>
         <p:nvSpPr>
-          <p:cNvPr id="153" name="Google Shape;153;p7:notes"/>
+          <p:cNvPr id="159" name="Google Shape;159;g31700e3cd0e_0_27:notes"/>
           <p:cNvSpPr txBox="1"/>
           <p:nvPr>
             <p:ph idx="1" type="body"/>
@@ -1354,7 +1456,205 @@
       </p:sp>
       <p:sp>
         <p:nvSpPr>
-          <p:cNvPr id="154" name="Google Shape;154;p7:notes"/>
+          <p:cNvPr id="160" name="Google Shape;160;g31700e3cd0e_0_27:notes"/>
+          <p:cNvSpPr/>
+          <p:nvPr>
+            <p:ph idx="2" type="sldImg"/>
+          </p:nvPr>
+        </p:nvSpPr>
+        <p:spPr>
+          <a:xfrm>
+            <a:off x="1143225" y="685800"/>
+            <a:ext cx="4572300" cy="3429000"/>
+          </a:xfrm>
+          <a:custGeom>
+            <a:rect b="b" l="l" r="r" t="t"/>
+            <a:pathLst>
+              <a:path extrusionOk="0" h="120000" w="120000">
+                <a:moveTo>
+                  <a:pt x="0" y="0"/>
+                </a:moveTo>
+                <a:lnTo>
+                  <a:pt x="120000" y="0"/>
+                </a:lnTo>
+                <a:lnTo>
+                  <a:pt x="120000" y="120000"/>
+                </a:lnTo>
+                <a:lnTo>
+                  <a:pt x="0" y="120000"/>
+                </a:lnTo>
+                <a:close/>
+              </a:path>
+            </a:pathLst>
+          </a:custGeom>
+        </p:spPr>
+      </p:sp>
+    </p:spTree>
+  </p:cSld>
+  <p:clrMapOvr>
+    <a:masterClrMapping/>
+  </p:clrMapOvr>
+</p:notes>
+</file>
+
+<file path=ppt/notesSlides/notesSlide8.xml><?xml version="1.0" encoding="utf-8"?>
+<p:notes xmlns:a="http://schemas.openxmlformats.org/drawingml/2006/main" xmlns:r="http://schemas.openxmlformats.org/officeDocument/2006/relationships" xmlns:mc="http://schemas.openxmlformats.org/markup-compatibility/2006" xmlns:mv="urn:schemas-microsoft-com:mac:vml" xmlns:p="http://schemas.openxmlformats.org/presentationml/2006/main" xmlns:c="http://schemas.openxmlformats.org/drawingml/2006/chart" xmlns:dgm="http://schemas.openxmlformats.org/drawingml/2006/diagram" xmlns:o="urn:schemas-microsoft-com:office:office" xmlns:v="urn:schemas-microsoft-com:vml" xmlns:pvml="urn:schemas-microsoft-com:office:powerpoint" xmlns:com="http://schemas.openxmlformats.org/drawingml/2006/compatibility" xmlns:p14="http://schemas.microsoft.com/office/powerpoint/2010/main" xmlns:p15="http://schemas.microsoft.com/office/powerpoint/2012/main" xmlns:ahyp="http://schemas.microsoft.com/office/drawing/2018/hyperlinkcolor" showMasterPhAnim="0" showMasterSp="0">
+  <p:cSld>
+    <p:spTree>
+      <p:nvGrpSpPr>
+        <p:cNvPr id="169" name="Shape 169"/>
+        <p:cNvGrpSpPr/>
+        <p:nvPr/>
+      </p:nvGrpSpPr>
+      <p:grpSpPr>
+        <a:xfrm>
+          <a:off x="0" y="0"/>
+          <a:ext cx="0" cy="0"/>
+          <a:chOff x="0" y="0"/>
+          <a:chExt cx="0" cy="0"/>
+        </a:xfrm>
+      </p:grpSpPr>
+      <p:sp>
+        <p:nvSpPr>
+          <p:cNvPr id="170" name="Google Shape;170;g31700e3cd0e_0_78:notes"/>
+          <p:cNvSpPr/>
+          <p:nvPr>
+            <p:ph idx="2" type="sldImg"/>
+          </p:nvPr>
+        </p:nvSpPr>
+        <p:spPr>
+          <a:xfrm>
+            <a:off x="1143225" y="685800"/>
+            <a:ext cx="4572300" cy="3429000"/>
+          </a:xfrm>
+          <a:custGeom>
+            <a:rect b="b" l="l" r="r" t="t"/>
+            <a:pathLst>
+              <a:path extrusionOk="0" h="120000" w="120000">
+                <a:moveTo>
+                  <a:pt x="0" y="0"/>
+                </a:moveTo>
+                <a:lnTo>
+                  <a:pt x="120000" y="0"/>
+                </a:lnTo>
+                <a:lnTo>
+                  <a:pt x="120000" y="120000"/>
+                </a:lnTo>
+                <a:lnTo>
+                  <a:pt x="0" y="120000"/>
+                </a:lnTo>
+                <a:close/>
+              </a:path>
+            </a:pathLst>
+          </a:custGeom>
+        </p:spPr>
+      </p:sp>
+      <p:sp>
+        <p:nvSpPr>
+          <p:cNvPr id="171" name="Google Shape;171;g31700e3cd0e_0_78:notes"/>
+          <p:cNvSpPr txBox="1"/>
+          <p:nvPr>
+            <p:ph idx="1" type="body"/>
+          </p:nvPr>
+        </p:nvSpPr>
+        <p:spPr>
+          <a:xfrm>
+            <a:off x="685800" y="4343400"/>
+            <a:ext cx="5486400" cy="4114800"/>
+          </a:xfrm>
+          <a:prstGeom prst="rect">
+            <a:avLst/>
+          </a:prstGeom>
+        </p:spPr>
+        <p:txBody>
+          <a:bodyPr anchorCtr="0" anchor="t" bIns="91425" lIns="91425" spcFirstLastPara="1" rIns="91425" wrap="square" tIns="91425">
+            <a:noAutofit/>
+          </a:bodyPr>
+          <a:lstStyle/>
+          <a:p>
+            <a:pPr indent="0" lvl="0" marL="0" rtl="0" algn="l">
+              <a:spcBef>
+                <a:spcPts val="0"/>
+              </a:spcBef>
+              <a:spcAft>
+                <a:spcPts val="0"/>
+              </a:spcAft>
+              <a:buNone/>
+            </a:pPr>
+            <a:r>
+              <a:t/>
+            </a:r>
+            <a:endParaRPr/>
+          </a:p>
+        </p:txBody>
+      </p:sp>
+    </p:spTree>
+  </p:cSld>
+  <p:clrMapOvr>
+    <a:masterClrMapping/>
+  </p:clrMapOvr>
+</p:notes>
+</file>
+
+<file path=ppt/notesSlides/notesSlide9.xml><?xml version="1.0" encoding="utf-8"?>
+<p:notes xmlns:a="http://schemas.openxmlformats.org/drawingml/2006/main" xmlns:r="http://schemas.openxmlformats.org/officeDocument/2006/relationships" xmlns:mc="http://schemas.openxmlformats.org/markup-compatibility/2006" xmlns:mv="urn:schemas-microsoft-com:mac:vml" xmlns:p="http://schemas.openxmlformats.org/presentationml/2006/main" xmlns:c="http://schemas.openxmlformats.org/drawingml/2006/chart" xmlns:dgm="http://schemas.openxmlformats.org/drawingml/2006/diagram" xmlns:o="urn:schemas-microsoft-com:office:office" xmlns:v="urn:schemas-microsoft-com:vml" xmlns:pvml="urn:schemas-microsoft-com:office:powerpoint" xmlns:com="http://schemas.openxmlformats.org/drawingml/2006/compatibility" xmlns:p14="http://schemas.microsoft.com/office/powerpoint/2010/main" xmlns:p15="http://schemas.microsoft.com/office/powerpoint/2012/main" xmlns:ahyp="http://schemas.microsoft.com/office/drawing/2018/hyperlinkcolor" showMasterPhAnim="0" showMasterSp="0">
+  <p:cSld>
+    <p:spTree>
+      <p:nvGrpSpPr>
+        <p:cNvPr id="177" name="Shape 177"/>
+        <p:cNvGrpSpPr/>
+        <p:nvPr/>
+      </p:nvGrpSpPr>
+      <p:grpSpPr>
+        <a:xfrm>
+          <a:off x="0" y="0"/>
+          <a:ext cx="0" cy="0"/>
+          <a:chOff x="0" y="0"/>
+          <a:chExt cx="0" cy="0"/>
+        </a:xfrm>
+      </p:grpSpPr>
+      <p:sp>
+        <p:nvSpPr>
+          <p:cNvPr id="178" name="Google Shape;178;p6:notes"/>
+          <p:cNvSpPr txBox="1"/>
+          <p:nvPr>
+            <p:ph idx="1" type="body"/>
+          </p:nvPr>
+        </p:nvSpPr>
+        <p:spPr>
+          <a:xfrm>
+            <a:off x="685800" y="4343400"/>
+            <a:ext cx="5486400" cy="4114800"/>
+          </a:xfrm>
+          <a:prstGeom prst="rect">
+            <a:avLst/>
+          </a:prstGeom>
+        </p:spPr>
+        <p:txBody>
+          <a:bodyPr anchorCtr="0" anchor="t" bIns="91425" lIns="91425" spcFirstLastPara="1" rIns="91425" wrap="square" tIns="91425">
+            <a:noAutofit/>
+          </a:bodyPr>
+          <a:lstStyle/>
+          <a:p>
+            <a:pPr indent="0" lvl="0" marL="0" rtl="0" algn="l">
+              <a:spcBef>
+                <a:spcPts val="0"/>
+              </a:spcBef>
+              <a:spcAft>
+                <a:spcPts val="0"/>
+              </a:spcAft>
+              <a:buNone/>
+            </a:pPr>
+            <a:r>
+              <a:t/>
+            </a:r>
+            <a:endParaRPr/>
+          </a:p>
+        </p:txBody>
+      </p:sp>
+      <p:sp>
+        <p:nvSpPr>
+          <p:cNvPr id="179" name="Google Shape;179;p6:notes"/>
           <p:cNvSpPr/>
           <p:nvPr>
             <p:ph idx="2" type="sldImg"/>
@@ -11318,6 +11618,503 @@
 </p:sld>
 </file>
 
+<file path=ppt/slides/slide10.xml><?xml version="1.0" encoding="utf-8"?>
+<p:sld xmlns:a="http://schemas.openxmlformats.org/drawingml/2006/main" xmlns:r="http://schemas.openxmlformats.org/officeDocument/2006/relationships" xmlns:mc="http://schemas.openxmlformats.org/markup-compatibility/2006" xmlns:mv="urn:schemas-microsoft-com:mac:vml" xmlns:p="http://schemas.openxmlformats.org/presentationml/2006/main" xmlns:c="http://schemas.openxmlformats.org/drawingml/2006/chart" xmlns:dgm="http://schemas.openxmlformats.org/drawingml/2006/diagram" xmlns:o="urn:schemas-microsoft-com:office:office" xmlns:v="urn:schemas-microsoft-com:vml" xmlns:pvml="urn:schemas-microsoft-com:office:powerpoint" xmlns:com="http://schemas.openxmlformats.org/drawingml/2006/compatibility" xmlns:p14="http://schemas.microsoft.com/office/powerpoint/2010/main" xmlns:p15="http://schemas.microsoft.com/office/powerpoint/2012/main" xmlns:ahyp="http://schemas.microsoft.com/office/drawing/2018/hyperlinkcolor">
+  <p:cSld>
+    <p:spTree>
+      <p:nvGrpSpPr>
+        <p:cNvPr id="190" name="Shape 190"/>
+        <p:cNvGrpSpPr/>
+        <p:nvPr/>
+      </p:nvGrpSpPr>
+      <p:grpSpPr>
+        <a:xfrm>
+          <a:off x="0" y="0"/>
+          <a:ext cx="0" cy="0"/>
+          <a:chOff x="0" y="0"/>
+          <a:chExt cx="0" cy="0"/>
+        </a:xfrm>
+      </p:grpSpPr>
+      <p:sp>
+        <p:nvSpPr>
+          <p:cNvPr id="191" name="Google Shape;191;p7"/>
+          <p:cNvSpPr/>
+          <p:nvPr/>
+        </p:nvSpPr>
+        <p:spPr>
+          <a:xfrm>
+            <a:off x="17262711" y="0"/>
+            <a:ext cx="1025289" cy="1025289"/>
+          </a:xfrm>
+          <a:custGeom>
+            <a:rect b="b" l="l" r="r" t="t"/>
+            <a:pathLst>
+              <a:path extrusionOk="0" h="1025289" w="1025289">
+                <a:moveTo>
+                  <a:pt x="0" y="0"/>
+                </a:moveTo>
+                <a:lnTo>
+                  <a:pt x="1025289" y="0"/>
+                </a:lnTo>
+                <a:lnTo>
+                  <a:pt x="1025289" y="1025289"/>
+                </a:lnTo>
+                <a:lnTo>
+                  <a:pt x="0" y="1025289"/>
+                </a:lnTo>
+                <a:lnTo>
+                  <a:pt x="0" y="0"/>
+                </a:lnTo>
+                <a:close/>
+              </a:path>
+            </a:pathLst>
+          </a:custGeom>
+          <a:blipFill rotWithShape="1">
+            <a:blip r:embed="rId3">
+              <a:alphaModFix/>
+            </a:blip>
+            <a:stretch>
+              <a:fillRect b="0" l="0" r="0" t="0"/>
+            </a:stretch>
+          </a:blipFill>
+          <a:ln>
+            <a:noFill/>
+          </a:ln>
+        </p:spPr>
+      </p:sp>
+      <p:sp>
+        <p:nvSpPr>
+          <p:cNvPr id="192" name="Google Shape;192;p7"/>
+          <p:cNvSpPr/>
+          <p:nvPr/>
+        </p:nvSpPr>
+        <p:spPr>
+          <a:xfrm>
+            <a:off x="61620" y="0"/>
+            <a:ext cx="2255738" cy="960936"/>
+          </a:xfrm>
+          <a:custGeom>
+            <a:rect b="b" l="l" r="r" t="t"/>
+            <a:pathLst>
+              <a:path extrusionOk="0" h="960936" w="2255738">
+                <a:moveTo>
+                  <a:pt x="0" y="0"/>
+                </a:moveTo>
+                <a:lnTo>
+                  <a:pt x="2255738" y="0"/>
+                </a:lnTo>
+                <a:lnTo>
+                  <a:pt x="2255738" y="960936"/>
+                </a:lnTo>
+                <a:lnTo>
+                  <a:pt x="0" y="960936"/>
+                </a:lnTo>
+                <a:lnTo>
+                  <a:pt x="0" y="0"/>
+                </a:lnTo>
+                <a:close/>
+              </a:path>
+            </a:pathLst>
+          </a:custGeom>
+          <a:blipFill rotWithShape="1">
+            <a:blip r:embed="rId4">
+              <a:alphaModFix/>
+            </a:blip>
+            <a:stretch>
+              <a:fillRect b="0" l="0" r="0" t="0"/>
+            </a:stretch>
+          </a:blipFill>
+          <a:ln>
+            <a:noFill/>
+          </a:ln>
+        </p:spPr>
+      </p:sp>
+      <p:sp>
+        <p:nvSpPr>
+          <p:cNvPr id="193" name="Google Shape;193;p7"/>
+          <p:cNvSpPr txBox="1"/>
+          <p:nvPr/>
+        </p:nvSpPr>
+        <p:spPr>
+          <a:xfrm>
+            <a:off x="0" y="-44452"/>
+            <a:ext cx="18288000" cy="692400"/>
+          </a:xfrm>
+          <a:prstGeom prst="rect">
+            <a:avLst/>
+          </a:prstGeom>
+          <a:noFill/>
+          <a:ln>
+            <a:noFill/>
+          </a:ln>
+        </p:spPr>
+        <p:txBody>
+          <a:bodyPr anchorCtr="0" anchor="t" bIns="0" lIns="0" spcFirstLastPara="1" rIns="0" wrap="square" tIns="0">
+            <a:spAutoFit/>
+          </a:bodyPr>
+          <a:lstStyle/>
+          <a:p>
+            <a:pPr indent="0" lvl="0" marL="0" rtl="0" algn="ctr">
+              <a:lnSpc>
+                <a:spcPct val="140006"/>
+              </a:lnSpc>
+              <a:spcBef>
+                <a:spcPts val="0"/>
+              </a:spcBef>
+              <a:spcAft>
+                <a:spcPts val="0"/>
+              </a:spcAft>
+              <a:buClr>
+                <a:schemeClr val="dk1"/>
+              </a:buClr>
+              <a:buFont typeface="Arial"/>
+              <a:buNone/>
+            </a:pPr>
+            <a:r>
+              <a:rPr b="1" lang="en-US" sz="4499">
+                <a:solidFill>
+                  <a:srgbClr val="1C375A"/>
+                </a:solidFill>
+                <a:latin typeface="Space Mono"/>
+                <a:ea typeface="Space Mono"/>
+                <a:cs typeface="Space Mono"/>
+                <a:sym typeface="Space Mono"/>
+              </a:rPr>
+              <a:t>Analiza atenției pe baza imaginilor</a:t>
+            </a:r>
+            <a:endParaRPr/>
+          </a:p>
+        </p:txBody>
+      </p:sp>
+      <p:sp>
+        <p:nvSpPr>
+          <p:cNvPr id="194" name="Google Shape;194;p7"/>
+          <p:cNvSpPr txBox="1"/>
+          <p:nvPr/>
+        </p:nvSpPr>
+        <p:spPr>
+          <a:xfrm>
+            <a:off x="61620" y="9686541"/>
+            <a:ext cx="18226380" cy="523875"/>
+          </a:xfrm>
+          <a:prstGeom prst="rect">
+            <a:avLst/>
+          </a:prstGeom>
+          <a:noFill/>
+          <a:ln>
+            <a:noFill/>
+          </a:ln>
+        </p:spPr>
+        <p:txBody>
+          <a:bodyPr anchorCtr="0" anchor="t" bIns="0" lIns="0" spcFirstLastPara="1" rIns="0" wrap="square" tIns="0">
+            <a:spAutoFit/>
+          </a:bodyPr>
+          <a:lstStyle/>
+          <a:p>
+            <a:pPr indent="0" lvl="0" marL="0" marR="0" rtl="0" algn="ctr">
+              <a:lnSpc>
+                <a:spcPct val="140000"/>
+              </a:lnSpc>
+              <a:spcBef>
+                <a:spcPts val="0"/>
+              </a:spcBef>
+              <a:spcAft>
+                <a:spcPts val="0"/>
+              </a:spcAft>
+              <a:buNone/>
+            </a:pPr>
+            <a:r>
+              <a:rPr b="1" i="0" lang="en-US" sz="3000" u="none" cap="none" strike="noStrike">
+                <a:solidFill>
+                  <a:srgbClr val="A6B5C2"/>
+                </a:solidFill>
+                <a:latin typeface="Space Mono"/>
+                <a:ea typeface="Space Mono"/>
+                <a:cs typeface="Space Mono"/>
+                <a:sym typeface="Space Mono"/>
+              </a:rPr>
+              <a:t>Prelucrarea Imaginilor - Proiect, 2024</a:t>
+            </a:r>
+            <a:endParaRPr/>
+          </a:p>
+        </p:txBody>
+      </p:sp>
+      <p:sp>
+        <p:nvSpPr>
+          <p:cNvPr id="195" name="Google Shape;195;p7"/>
+          <p:cNvSpPr txBox="1"/>
+          <p:nvPr/>
+        </p:nvSpPr>
+        <p:spPr>
+          <a:xfrm>
+            <a:off x="0" y="1009650"/>
+            <a:ext cx="17775356" cy="1009652"/>
+          </a:xfrm>
+          <a:prstGeom prst="rect">
+            <a:avLst/>
+          </a:prstGeom>
+          <a:noFill/>
+          <a:ln>
+            <a:noFill/>
+          </a:ln>
+        </p:spPr>
+        <p:txBody>
+          <a:bodyPr anchorCtr="0" anchor="t" bIns="0" lIns="0" spcFirstLastPara="1" rIns="0" wrap="square" tIns="0">
+            <a:spAutoFit/>
+          </a:bodyPr>
+          <a:lstStyle/>
+          <a:p>
+            <a:pPr indent="0" lvl="0" marL="0" marR="0" rtl="0" algn="l">
+              <a:lnSpc>
+                <a:spcPct val="140006"/>
+              </a:lnSpc>
+              <a:spcBef>
+                <a:spcPts val="0"/>
+              </a:spcBef>
+              <a:spcAft>
+                <a:spcPts val="0"/>
+              </a:spcAft>
+              <a:buNone/>
+            </a:pPr>
+            <a:r>
+              <a:rPr b="1" i="0" lang="en-US" sz="5999" u="none" cap="none" strike="noStrike">
+                <a:solidFill>
+                  <a:srgbClr val="2E5375"/>
+                </a:solidFill>
+                <a:latin typeface="Space Mono"/>
+                <a:ea typeface="Space Mono"/>
+                <a:cs typeface="Space Mono"/>
+                <a:sym typeface="Space Mono"/>
+              </a:rPr>
+              <a:t>6. Direcții Viitoare</a:t>
+            </a:r>
+            <a:endParaRPr/>
+          </a:p>
+        </p:txBody>
+      </p:sp>
+      <p:sp>
+        <p:nvSpPr>
+          <p:cNvPr id="196" name="Google Shape;196;p7"/>
+          <p:cNvSpPr txBox="1"/>
+          <p:nvPr/>
+        </p:nvSpPr>
+        <p:spPr>
+          <a:xfrm>
+            <a:off x="571812" y="2242820"/>
+            <a:ext cx="17203500" cy="5651400"/>
+          </a:xfrm>
+          <a:prstGeom prst="rect">
+            <a:avLst/>
+          </a:prstGeom>
+          <a:noFill/>
+          <a:ln>
+            <a:noFill/>
+          </a:ln>
+        </p:spPr>
+        <p:txBody>
+          <a:bodyPr anchorCtr="0" anchor="t" bIns="0" lIns="0" spcFirstLastPara="1" rIns="0" wrap="square" tIns="0">
+            <a:spAutoFit/>
+          </a:bodyPr>
+          <a:lstStyle/>
+          <a:p>
+            <a:pPr indent="-367029" lvl="1" marL="734058" marR="0" rtl="0" algn="l">
+              <a:lnSpc>
+                <a:spcPct val="140011"/>
+              </a:lnSpc>
+              <a:spcBef>
+                <a:spcPts val="0"/>
+              </a:spcBef>
+              <a:spcAft>
+                <a:spcPts val="0"/>
+              </a:spcAft>
+              <a:buClr>
+                <a:srgbClr val="000000"/>
+              </a:buClr>
+              <a:buSzPts val="3399"/>
+              <a:buFont typeface="Arial"/>
+              <a:buChar char="•"/>
+            </a:pPr>
+            <a:r>
+              <a:rPr b="1" i="0" lang="en-US" sz="3399" u="none" cap="none" strike="noStrike">
+                <a:solidFill>
+                  <a:srgbClr val="000000"/>
+                </a:solidFill>
+                <a:latin typeface="Space Mono"/>
+                <a:ea typeface="Space Mono"/>
+                <a:cs typeface="Space Mono"/>
+                <a:sym typeface="Space Mono"/>
+              </a:rPr>
+              <a:t>Pași următori: </a:t>
+            </a:r>
+            <a:r>
+              <a:rPr lang="en-US" sz="3399">
+                <a:latin typeface="Space Mono"/>
+                <a:ea typeface="Space Mono"/>
+                <a:cs typeface="Space Mono"/>
+                <a:sym typeface="Space Mono"/>
+              </a:rPr>
+              <a:t>îmbunătățirea detecției privirii, </a:t>
+            </a:r>
+            <a:r>
+              <a:rPr lang="en-US" sz="3400">
+                <a:solidFill>
+                  <a:schemeClr val="dk1"/>
+                </a:solidFill>
+                <a:latin typeface="Space Mono"/>
+                <a:ea typeface="Space Mono"/>
+                <a:cs typeface="Space Mono"/>
+                <a:sym typeface="Space Mono"/>
+              </a:rPr>
+              <a:t>fixarea privirii: cât, când și unde (heatmap colorat)</a:t>
+            </a:r>
+            <a:endParaRPr/>
+          </a:p>
+          <a:p>
+            <a:pPr indent="-367029" lvl="1" marL="734058" marR="0" rtl="0" algn="l">
+              <a:lnSpc>
+                <a:spcPct val="140011"/>
+              </a:lnSpc>
+              <a:spcBef>
+                <a:spcPts val="0"/>
+              </a:spcBef>
+              <a:spcAft>
+                <a:spcPts val="0"/>
+              </a:spcAft>
+              <a:buClr>
+                <a:srgbClr val="000000"/>
+              </a:buClr>
+              <a:buSzPts val="3399"/>
+              <a:buFont typeface="Arial"/>
+              <a:buChar char="•"/>
+            </a:pPr>
+            <a:r>
+              <a:rPr b="1" i="0" lang="en-US" sz="3399" u="none" cap="none" strike="noStrike">
+                <a:solidFill>
+                  <a:srgbClr val="000000"/>
+                </a:solidFill>
+                <a:latin typeface="Space Mono"/>
+                <a:ea typeface="Space Mono"/>
+                <a:cs typeface="Space Mono"/>
+                <a:sym typeface="Space Mono"/>
+              </a:rPr>
+              <a:t>Plan de implementare: </a:t>
+            </a:r>
+            <a:r>
+              <a:rPr lang="en-US" sz="3399">
+                <a:latin typeface="Space Mono"/>
+                <a:ea typeface="Space Mono"/>
+                <a:cs typeface="Space Mono"/>
+                <a:sym typeface="Space Mono"/>
+              </a:rPr>
+              <a:t>Amplificarea coordonatelor irisului la tot ecranul (scaling), mediere </a:t>
+            </a:r>
+            <a:r>
+              <a:rPr lang="en-US" sz="3399">
+                <a:latin typeface="Space Mono"/>
+                <a:ea typeface="Space Mono"/>
+                <a:cs typeface="Space Mono"/>
+                <a:sym typeface="Space Mono"/>
+              </a:rPr>
+              <a:t>temporală </a:t>
+            </a:r>
+            <a:r>
+              <a:rPr lang="en-US" sz="3399">
+                <a:latin typeface="Space Mono"/>
+                <a:ea typeface="Space Mono"/>
+                <a:cs typeface="Space Mono"/>
+                <a:sym typeface="Space Mono"/>
+              </a:rPr>
+              <a:t>(dacă ochiul nu sare brusc în altă parte, facem media coordonatelor în timp)</a:t>
+            </a:r>
+            <a:endParaRPr/>
+          </a:p>
+          <a:p>
+            <a:pPr indent="-367028" lvl="1" marL="734057" marR="0" rtl="0" algn="l">
+              <a:lnSpc>
+                <a:spcPct val="140011"/>
+              </a:lnSpc>
+              <a:spcBef>
+                <a:spcPts val="0"/>
+              </a:spcBef>
+              <a:spcAft>
+                <a:spcPts val="0"/>
+              </a:spcAft>
+              <a:buClr>
+                <a:srgbClr val="000000"/>
+              </a:buClr>
+              <a:buSzPts val="3399"/>
+              <a:buFont typeface="Arial"/>
+              <a:buChar char="•"/>
+            </a:pPr>
+            <a:r>
+              <a:rPr b="1" i="0" lang="en-US" sz="3399" u="none" cap="none" strike="noStrike">
+                <a:solidFill>
+                  <a:srgbClr val="000000"/>
+                </a:solidFill>
+                <a:latin typeface="Space Mono"/>
+                <a:ea typeface="Space Mono"/>
+                <a:cs typeface="Space Mono"/>
+                <a:sym typeface="Space Mono"/>
+              </a:rPr>
+              <a:t>Obiectivele finale: </a:t>
+            </a:r>
+            <a:r>
+              <a:rPr lang="en-US" sz="3399">
+                <a:latin typeface="Space Mono"/>
+                <a:ea typeface="Space Mono"/>
+                <a:cs typeface="Space Mono"/>
+                <a:sym typeface="Space Mono"/>
+              </a:rPr>
+              <a:t>Metodă de realizare a testelor de atenție și de măsurare a atenției pe parcursul unui videoclip, unui joc video &amp; la volan</a:t>
+            </a:r>
+            <a:endParaRPr b="0" i="0" sz="2900" u="none" cap="none" strike="noStrike">
+              <a:solidFill>
+                <a:srgbClr val="FF0000"/>
+              </a:solidFill>
+              <a:latin typeface="Space Mono"/>
+              <a:ea typeface="Space Mono"/>
+              <a:cs typeface="Space Mono"/>
+              <a:sym typeface="Space Mono"/>
+            </a:endParaRPr>
+          </a:p>
+        </p:txBody>
+      </p:sp>
+      <p:pic>
+        <p:nvPicPr>
+          <p:cNvPr id="197" name="Google Shape;197;p7"/>
+          <p:cNvPicPr preferRelativeResize="0"/>
+          <p:nvPr/>
+        </p:nvPicPr>
+        <p:blipFill>
+          <a:blip r:embed="rId5">
+            <a:alphaModFix/>
+          </a:blip>
+          <a:stretch>
+            <a:fillRect/>
+          </a:stretch>
+        </p:blipFill>
+        <p:spPr>
+          <a:xfrm>
+            <a:off x="15165371" y="6987525"/>
+            <a:ext cx="3122625" cy="3222900"/>
+          </a:xfrm>
+          <a:prstGeom prst="rect">
+            <a:avLst/>
+          </a:prstGeom>
+          <a:noFill/>
+          <a:ln>
+            <a:noFill/>
+          </a:ln>
+        </p:spPr>
+      </p:pic>
+    </p:spTree>
+  </p:cSld>
+  <p:clrMapOvr>
+    <a:masterClrMapping/>
+  </p:clrMapOvr>
+</p:sld>
+</file>
+
 <file path=ppt/slides/slide2.xml><?xml version="1.0" encoding="utf-8"?>
 <p:sld xmlns:a="http://schemas.openxmlformats.org/drawingml/2006/main" xmlns:r="http://schemas.openxmlformats.org/officeDocument/2006/relationships" xmlns:mc="http://schemas.openxmlformats.org/markup-compatibility/2006" xmlns:mv="urn:schemas-microsoft-com:mac:vml" xmlns:p="http://schemas.openxmlformats.org/presentationml/2006/main" xmlns:c="http://schemas.openxmlformats.org/drawingml/2006/chart" xmlns:dgm="http://schemas.openxmlformats.org/drawingml/2006/diagram" xmlns:o="urn:schemas-microsoft-com:office:office" xmlns:v="urn:schemas-microsoft-com:vml" xmlns:pvml="urn:schemas-microsoft-com:office:powerpoint" xmlns:com="http://schemas.openxmlformats.org/drawingml/2006/compatibility" xmlns:p14="http://schemas.microsoft.com/office/powerpoint/2010/main" xmlns:p15="http://schemas.microsoft.com/office/powerpoint/2012/main" xmlns:ahyp="http://schemas.microsoft.com/office/drawing/2018/hyperlinkcolor">
   <p:cSld>
@@ -12751,6 +13548,154 @@
           </a:p>
         </p:txBody>
       </p:sp>
+      <p:pic>
+        <p:nvPicPr>
+          <p:cNvPr id="121" name="Google Shape;121;p3"/>
+          <p:cNvPicPr preferRelativeResize="0"/>
+          <p:nvPr/>
+        </p:nvPicPr>
+        <p:blipFill>
+          <a:blip r:embed="rId7">
+            <a:alphaModFix/>
+          </a:blip>
+          <a:stretch>
+            <a:fillRect/>
+          </a:stretch>
+        </p:blipFill>
+        <p:spPr>
+          <a:xfrm>
+            <a:off x="9818938" y="2122900"/>
+            <a:ext cx="3286125" cy="647700"/>
+          </a:xfrm>
+          <a:prstGeom prst="rect">
+            <a:avLst/>
+          </a:prstGeom>
+          <a:solidFill>
+            <a:schemeClr val="lt1"/>
+          </a:solidFill>
+          <a:ln cap="flat" cmpd="sng" w="19050">
+            <a:solidFill>
+              <a:schemeClr val="dk2"/>
+            </a:solidFill>
+            <a:prstDash val="solid"/>
+            <a:round/>
+            <a:headEnd len="sm" w="sm" type="none"/>
+            <a:tailEnd len="sm" w="sm" type="none"/>
+          </a:ln>
+        </p:spPr>
+      </p:pic>
+      <p:pic>
+        <p:nvPicPr>
+          <p:cNvPr id="122" name="Google Shape;122;p3"/>
+          <p:cNvPicPr preferRelativeResize="0"/>
+          <p:nvPr/>
+        </p:nvPicPr>
+        <p:blipFill>
+          <a:blip r:embed="rId8">
+            <a:alphaModFix/>
+          </a:blip>
+          <a:stretch>
+            <a:fillRect/>
+          </a:stretch>
+        </p:blipFill>
+        <p:spPr>
+          <a:xfrm>
+            <a:off x="14174988" y="2189575"/>
+            <a:ext cx="2181225" cy="514350"/>
+          </a:xfrm>
+          <a:prstGeom prst="rect">
+            <a:avLst/>
+          </a:prstGeom>
+          <a:noFill/>
+          <a:ln>
+            <a:noFill/>
+          </a:ln>
+        </p:spPr>
+      </p:pic>
+      <p:pic>
+        <p:nvPicPr>
+          <p:cNvPr id="123" name="Google Shape;123;p3"/>
+          <p:cNvPicPr preferRelativeResize="0"/>
+          <p:nvPr/>
+        </p:nvPicPr>
+        <p:blipFill>
+          <a:blip r:embed="rId9">
+            <a:alphaModFix/>
+          </a:blip>
+          <a:stretch>
+            <a:fillRect/>
+          </a:stretch>
+        </p:blipFill>
+        <p:spPr>
+          <a:xfrm>
+            <a:off x="13105078" y="3499700"/>
+            <a:ext cx="4623200" cy="403050"/>
+          </a:xfrm>
+          <a:prstGeom prst="rect">
+            <a:avLst/>
+          </a:prstGeom>
+          <a:noFill/>
+          <a:ln>
+            <a:noFill/>
+          </a:ln>
+        </p:spPr>
+      </p:pic>
+      <p:pic>
+        <p:nvPicPr>
+          <p:cNvPr id="124" name="Google Shape;124;p3"/>
+          <p:cNvPicPr preferRelativeResize="0"/>
+          <p:nvPr/>
+        </p:nvPicPr>
+        <p:blipFill>
+          <a:blip r:embed="rId10">
+            <a:alphaModFix/>
+          </a:blip>
+          <a:stretch>
+            <a:fillRect/>
+          </a:stretch>
+        </p:blipFill>
+        <p:spPr>
+          <a:xfrm>
+            <a:off x="13463778" y="8798275"/>
+            <a:ext cx="3905800" cy="708000"/>
+          </a:xfrm>
+          <a:prstGeom prst="rect">
+            <a:avLst/>
+          </a:prstGeom>
+          <a:noFill/>
+          <a:ln>
+            <a:noFill/>
+          </a:ln>
+        </p:spPr>
+      </p:pic>
+      <p:pic>
+        <p:nvPicPr>
+          <p:cNvPr id="125" name="Google Shape;125;p3"/>
+          <p:cNvPicPr preferRelativeResize="0"/>
+          <p:nvPr/>
+        </p:nvPicPr>
+        <p:blipFill>
+          <a:blip r:embed="rId11">
+            <a:alphaModFix/>
+          </a:blip>
+          <a:stretch>
+            <a:fillRect/>
+          </a:stretch>
+        </p:blipFill>
+        <p:spPr>
+          <a:xfrm>
+            <a:off x="10752188" y="5127800"/>
+            <a:ext cx="1419659" cy="1025300"/>
+          </a:xfrm>
+          <a:prstGeom prst="rect">
+            <a:avLst/>
+          </a:prstGeom>
+          <a:noFill/>
+          <a:ln>
+            <a:noFill/>
+          </a:ln>
+        </p:spPr>
+      </p:pic>
     </p:spTree>
   </p:cSld>
   <p:clrMapOvr>
@@ -12764,7 +13709,7 @@
   <p:cSld>
     <p:spTree>
       <p:nvGrpSpPr>
-        <p:cNvPr id="124" name="Shape 124"/>
+        <p:cNvPr id="129" name="Shape 129"/>
         <p:cNvGrpSpPr/>
         <p:nvPr/>
       </p:nvGrpSpPr>
@@ -12778,7 +13723,7 @@
       </p:grpSpPr>
       <p:sp>
         <p:nvSpPr>
-          <p:cNvPr id="125" name="Google Shape;125;p4"/>
+          <p:cNvPr id="130" name="Google Shape;130;p4"/>
           <p:cNvSpPr/>
           <p:nvPr/>
         </p:nvSpPr>
@@ -12825,7 +13770,7 @@
       </p:sp>
       <p:sp>
         <p:nvSpPr>
-          <p:cNvPr id="126" name="Google Shape;126;p4"/>
+          <p:cNvPr id="131" name="Google Shape;131;p4"/>
           <p:cNvSpPr/>
           <p:nvPr/>
         </p:nvSpPr>
@@ -12872,7 +13817,7 @@
       </p:sp>
       <p:sp>
         <p:nvSpPr>
-          <p:cNvPr id="127" name="Google Shape;127;p4"/>
+          <p:cNvPr id="132" name="Google Shape;132;p4"/>
           <p:cNvSpPr txBox="1"/>
           <p:nvPr/>
         </p:nvSpPr>
@@ -12925,7 +13870,7 @@
       </p:sp>
       <p:sp>
         <p:nvSpPr>
-          <p:cNvPr id="128" name="Google Shape;128;p4"/>
+          <p:cNvPr id="133" name="Google Shape;133;p4"/>
           <p:cNvSpPr txBox="1"/>
           <p:nvPr/>
         </p:nvSpPr>
@@ -12978,7 +13923,7 @@
       </p:sp>
       <p:sp>
         <p:nvSpPr>
-          <p:cNvPr id="129" name="Google Shape;129;p4"/>
+          <p:cNvPr id="134" name="Google Shape;134;p4"/>
           <p:cNvSpPr txBox="1"/>
           <p:nvPr/>
         </p:nvSpPr>
@@ -13031,7 +13976,7 @@
       </p:sp>
       <p:sp>
         <p:nvSpPr>
-          <p:cNvPr id="130" name="Google Shape;130;p4"/>
+          <p:cNvPr id="135" name="Google Shape;135;p4"/>
           <p:cNvSpPr txBox="1"/>
           <p:nvPr/>
         </p:nvSpPr>
@@ -13193,7 +14138,7 @@
                 <a:cs typeface="Space Mono"/>
                 <a:sym typeface="Space Mono"/>
               </a:rPr>
-              <a:t>MediaPipe Face Mesh, dlib’s facial landmark detector</a:t>
+              <a:t>MediaPipe Face Mesh (Google), facial landmark detector de la dlib (inițial)</a:t>
             </a:r>
             <a:endParaRPr sz="3399">
               <a:latin typeface="Space Mono"/>
@@ -13430,7 +14375,7 @@
       </p:sp>
       <p:pic>
         <p:nvPicPr>
-          <p:cNvPr id="131" name="Google Shape;131;p4"/>
+          <p:cNvPr id="136" name="Google Shape;136;p4"/>
           <p:cNvPicPr preferRelativeResize="0"/>
           <p:nvPr/>
         </p:nvPicPr>
@@ -13469,7 +14414,7 @@
   <p:cSld>
     <p:spTree>
       <p:nvGrpSpPr>
-        <p:cNvPr id="135" name="Shape 135"/>
+        <p:cNvPr id="140" name="Shape 140"/>
         <p:cNvGrpSpPr/>
         <p:nvPr/>
       </p:nvGrpSpPr>
@@ -13483,7 +14428,7 @@
       </p:grpSpPr>
       <p:sp>
         <p:nvSpPr>
-          <p:cNvPr id="136" name="Google Shape;136;p5"/>
+          <p:cNvPr id="141" name="Google Shape;141;p5"/>
           <p:cNvSpPr/>
           <p:nvPr/>
         </p:nvSpPr>
@@ -13530,7 +14475,7 @@
       </p:sp>
       <p:sp>
         <p:nvSpPr>
-          <p:cNvPr id="137" name="Google Shape;137;p5"/>
+          <p:cNvPr id="142" name="Google Shape;142;p5"/>
           <p:cNvSpPr/>
           <p:nvPr/>
         </p:nvSpPr>
@@ -13577,14 +14522,14 @@
       </p:sp>
       <p:sp>
         <p:nvSpPr>
-          <p:cNvPr id="138" name="Google Shape;138;p5"/>
+          <p:cNvPr id="143" name="Google Shape;143;p5"/>
           <p:cNvSpPr txBox="1"/>
           <p:nvPr/>
         </p:nvSpPr>
         <p:spPr>
           <a:xfrm>
             <a:off x="0" y="-44452"/>
-            <a:ext cx="18288000" cy="1111252"/>
+            <a:ext cx="18288000" cy="692400"/>
           </a:xfrm>
           <a:prstGeom prst="rect">
             <a:avLst/>
@@ -13600,7 +14545,7 @@
           </a:bodyPr>
           <a:lstStyle/>
           <a:p>
-            <a:pPr indent="0" lvl="0" marL="0" marR="0" rtl="0" algn="ctr">
+            <a:pPr indent="0" lvl="0" marL="0" rtl="0" algn="ctr">
               <a:lnSpc>
                 <a:spcPct val="140006"/>
               </a:lnSpc>
@@ -13613,7 +14558,7 @@
               <a:buNone/>
             </a:pPr>
             <a:r>
-              <a:rPr b="1" i="0" lang="en-US" sz="6499" u="none" cap="none" strike="noStrike">
+              <a:rPr b="1" lang="en-US" sz="4499">
                 <a:solidFill>
                   <a:srgbClr val="1C375A"/>
                 </a:solidFill>
@@ -13622,15 +14567,23 @@
                 <a:cs typeface="Space Mono"/>
                 <a:sym typeface="Space Mono"/>
               </a:rPr>
-              <a:t>Titlu - Proiect</a:t>
+              <a:t>Analiza atenției pe baza imaginilor</a:t>
             </a:r>
-            <a:endParaRPr/>
+            <a:endParaRPr b="1" sz="6499">
+              <a:solidFill>
+                <a:srgbClr val="1C375A"/>
+              </a:solidFill>
+              <a:latin typeface="Space Mono"/>
+              <a:ea typeface="Space Mono"/>
+              <a:cs typeface="Space Mono"/>
+              <a:sym typeface="Space Mono"/>
+            </a:endParaRPr>
           </a:p>
         </p:txBody>
       </p:sp>
       <p:sp>
         <p:nvSpPr>
-          <p:cNvPr id="139" name="Google Shape;139;p5"/>
+          <p:cNvPr id="144" name="Google Shape;144;p5"/>
           <p:cNvSpPr txBox="1"/>
           <p:nvPr/>
         </p:nvSpPr>
@@ -13683,7 +14636,7 @@
       </p:sp>
       <p:sp>
         <p:nvSpPr>
-          <p:cNvPr id="140" name="Google Shape;140;p5"/>
+          <p:cNvPr id="145" name="Google Shape;145;p5"/>
           <p:cNvSpPr txBox="1"/>
           <p:nvPr/>
         </p:nvSpPr>
@@ -13736,14 +14689,14 @@
       </p:sp>
       <p:sp>
         <p:nvSpPr>
-          <p:cNvPr id="141" name="Google Shape;141;p5"/>
+          <p:cNvPr id="146" name="Google Shape;146;p5"/>
           <p:cNvSpPr txBox="1"/>
           <p:nvPr/>
         </p:nvSpPr>
         <p:spPr>
           <a:xfrm>
             <a:off x="571812" y="2242820"/>
-            <a:ext cx="17203544" cy="7949565"/>
+            <a:ext cx="17203500" cy="4918200"/>
           </a:xfrm>
           <a:prstGeom prst="rect">
             <a:avLst/>
@@ -13759,7 +14712,7 @@
           </a:bodyPr>
           <a:lstStyle/>
           <a:p>
-            <a:pPr indent="-367029" lvl="1" marL="734058" marR="0" rtl="0" algn="l">
+            <a:pPr indent="-367028" lvl="1" marL="734057" marR="0" rtl="0" algn="l">
               <a:lnSpc>
                 <a:spcPct val="140011"/>
               </a:lnSpc>
@@ -13789,21 +14742,46 @@
               <a:t>Rezultate obținute: </a:t>
             </a:r>
             <a:r>
-              <a:rPr b="0" i="0" lang="en-US" sz="3399" u="none" cap="none" strike="noStrike">
-                <a:solidFill>
-                  <a:srgbClr val="000000"/>
-                </a:solidFill>
+              <a:rPr lang="en-US" sz="3399">
                 <a:latin typeface="Space Mono"/>
                 <a:ea typeface="Space Mono"/>
                 <a:cs typeface="Space Mono"/>
                 <a:sym typeface="Space Mono"/>
               </a:rPr>
-              <a:t>Prezentați rezultate cheie din evaluarea preliminară (de exemplu, acuratețea, timpul de execuție etc.).</a:t>
+              <a:t>categorii de atenție pe baza ratei de clipire și de energie pe baza EAR mediu; estimare aproximativă a direcției orizontale de privit (stânga-centru-dreapta)</a:t>
             </a:r>
-            <a:endParaRPr/>
+            <a:endParaRPr sz="3399">
+              <a:latin typeface="Space Mono"/>
+              <a:ea typeface="Space Mono"/>
+              <a:cs typeface="Space Mono"/>
+              <a:sym typeface="Space Mono"/>
+            </a:endParaRPr>
           </a:p>
           <a:p>
-            <a:pPr indent="-367029" lvl="1" marL="734058" marR="0" rtl="0" algn="l">
+            <a:pPr indent="0" lvl="0" marL="0" marR="0" rtl="0" algn="l">
+              <a:lnSpc>
+                <a:spcPct val="140011"/>
+              </a:lnSpc>
+              <a:spcBef>
+                <a:spcPts val="0"/>
+              </a:spcBef>
+              <a:spcAft>
+                <a:spcPts val="0"/>
+              </a:spcAft>
+              <a:buNone/>
+            </a:pPr>
+            <a:r>
+              <a:t/>
+            </a:r>
+            <a:endParaRPr sz="3399">
+              <a:latin typeface="Space Mono"/>
+              <a:ea typeface="Space Mono"/>
+              <a:cs typeface="Space Mono"/>
+              <a:sym typeface="Space Mono"/>
+            </a:endParaRPr>
+          </a:p>
+          <a:p>
+            <a:pPr indent="-367028" lvl="1" marL="734057" marR="0" rtl="0" algn="l">
               <a:lnSpc>
                 <a:spcPct val="140011"/>
               </a:lnSpc>
@@ -13833,183 +14811,16 @@
               <a:t>Vizualizări: </a:t>
             </a:r>
             <a:r>
-              <a:rPr b="0" i="0" lang="en-US" sz="3399" u="none" cap="none" strike="noStrike">
+              <a:rPr lang="en-US" sz="3399">
                 <a:solidFill>
-                  <a:srgbClr val="000000"/>
+                  <a:schemeClr val="dk1"/>
                 </a:solidFill>
                 <a:latin typeface="Space Mono"/>
                 <a:ea typeface="Space Mono"/>
                 <a:cs typeface="Space Mono"/>
                 <a:sym typeface="Space Mono"/>
               </a:rPr>
-              <a:t>Includeți grafice, tabele sau imagini rezultate pentru a ilustra rezultatele.</a:t>
-            </a:r>
-            <a:endParaRPr/>
-          </a:p>
-          <a:p>
-            <a:pPr indent="-367029" lvl="1" marL="734058" marR="0" rtl="0" algn="l">
-              <a:lnSpc>
-                <a:spcPct val="140011"/>
-              </a:lnSpc>
-              <a:spcBef>
-                <a:spcPts val="0"/>
-              </a:spcBef>
-              <a:spcAft>
-                <a:spcPts val="0"/>
-              </a:spcAft>
-              <a:buClr>
-                <a:srgbClr val="000000"/>
-              </a:buClr>
-              <a:buSzPts val="3399"/>
-              <a:buFont typeface="Arial"/>
-              <a:buChar char="•"/>
-            </a:pPr>
-            <a:r>
-              <a:rPr b="1" i="0" lang="en-US" sz="3399" u="none" cap="none" strike="noStrike">
-                <a:solidFill>
-                  <a:srgbClr val="000000"/>
-                </a:solidFill>
-                <a:latin typeface="Space Mono"/>
-                <a:ea typeface="Space Mono"/>
-                <a:cs typeface="Space Mono"/>
-                <a:sym typeface="Space Mono"/>
-              </a:rPr>
-              <a:t>Interpretarea rezultatelor: </a:t>
-            </a:r>
-            <a:r>
-              <a:rPr b="0" i="0" lang="en-US" sz="3399" u="none" cap="none" strike="noStrike">
-                <a:solidFill>
-                  <a:srgbClr val="000000"/>
-                </a:solidFill>
-                <a:latin typeface="Space Mono"/>
-                <a:ea typeface="Space Mono"/>
-                <a:cs typeface="Space Mono"/>
-                <a:sym typeface="Space Mono"/>
-              </a:rPr>
-              <a:t>Explicați semnificația acestor rezultate și cum se compară cu așteptările inițiale.</a:t>
-            </a:r>
-            <a:endParaRPr/>
-          </a:p>
-          <a:p>
-            <a:pPr indent="0" lvl="0" marL="0" marR="0" rtl="0" algn="l">
-              <a:lnSpc>
-                <a:spcPct val="140011"/>
-              </a:lnSpc>
-              <a:spcBef>
-                <a:spcPts val="0"/>
-              </a:spcBef>
-              <a:spcAft>
-                <a:spcPts val="0"/>
-              </a:spcAft>
-              <a:buNone/>
-            </a:pPr>
-            <a:r>
-              <a:t/>
-            </a:r>
-            <a:endParaRPr b="0" i="0" sz="3399" u="none" cap="none" strike="noStrike">
-              <a:solidFill>
-                <a:srgbClr val="000000"/>
-              </a:solidFill>
-              <a:latin typeface="Space Mono"/>
-              <a:ea typeface="Space Mono"/>
-              <a:cs typeface="Space Mono"/>
-              <a:sym typeface="Space Mono"/>
-            </a:endParaRPr>
-          </a:p>
-          <a:p>
-            <a:pPr indent="0" lvl="0" marL="0" marR="0" rtl="0" algn="l">
-              <a:lnSpc>
-                <a:spcPct val="140011"/>
-              </a:lnSpc>
-              <a:spcBef>
-                <a:spcPts val="0"/>
-              </a:spcBef>
-              <a:spcAft>
-                <a:spcPts val="0"/>
-              </a:spcAft>
-              <a:buNone/>
-            </a:pPr>
-            <a:r>
-              <a:t/>
-            </a:r>
-            <a:endParaRPr b="0" i="0" sz="3399" u="none" cap="none" strike="noStrike">
-              <a:solidFill>
-                <a:srgbClr val="000000"/>
-              </a:solidFill>
-              <a:latin typeface="Space Mono"/>
-              <a:ea typeface="Space Mono"/>
-              <a:cs typeface="Space Mono"/>
-              <a:sym typeface="Space Mono"/>
-            </a:endParaRPr>
-          </a:p>
-          <a:p>
-            <a:pPr indent="0" lvl="0" marL="0" marR="0" rtl="0" algn="l">
-              <a:lnSpc>
-                <a:spcPct val="140011"/>
-              </a:lnSpc>
-              <a:spcBef>
-                <a:spcPts val="0"/>
-              </a:spcBef>
-              <a:spcAft>
-                <a:spcPts val="0"/>
-              </a:spcAft>
-              <a:buNone/>
-            </a:pPr>
-            <a:r>
-              <a:t/>
-            </a:r>
-            <a:endParaRPr b="0" i="0" sz="3399" u="none" cap="none" strike="noStrike">
-              <a:solidFill>
-                <a:srgbClr val="000000"/>
-              </a:solidFill>
-              <a:latin typeface="Space Mono"/>
-              <a:ea typeface="Space Mono"/>
-              <a:cs typeface="Space Mono"/>
-              <a:sym typeface="Space Mono"/>
-            </a:endParaRPr>
-          </a:p>
-          <a:p>
-            <a:pPr indent="0" lvl="0" marL="0" marR="0" rtl="0" algn="just">
-              <a:lnSpc>
-                <a:spcPct val="140000"/>
-              </a:lnSpc>
-              <a:spcBef>
-                <a:spcPts val="0"/>
-              </a:spcBef>
-              <a:spcAft>
-                <a:spcPts val="0"/>
-              </a:spcAft>
-              <a:buNone/>
-            </a:pPr>
-            <a:r>
-              <a:rPr b="0" i="0" lang="en-US" sz="2900" u="none" cap="none" strike="noStrike">
-                <a:solidFill>
-                  <a:srgbClr val="FF0000"/>
-                </a:solidFill>
-                <a:latin typeface="Space Mono"/>
-                <a:ea typeface="Space Mono"/>
-                <a:cs typeface="Space Mono"/>
-                <a:sym typeface="Space Mono"/>
-              </a:rPr>
-              <a:t>Acest slide este destinat prezentării primelor rezultate concrete obținute. Includeți vizualizări (grafice, imagini) care să susțină datele și explicați dacă aceste rezultate sunt promițătoare sau dacă indică necesitatea unor ajustări.</a:t>
-            </a:r>
-            <a:endParaRPr/>
-          </a:p>
-          <a:p>
-            <a:pPr indent="0" lvl="0" marL="0" marR="0" rtl="0" algn="just">
-              <a:lnSpc>
-                <a:spcPct val="140000"/>
-              </a:lnSpc>
-              <a:spcBef>
-                <a:spcPts val="0"/>
-              </a:spcBef>
-              <a:spcAft>
-                <a:spcPts val="0"/>
-              </a:spcAft>
-              <a:buNone/>
-            </a:pPr>
-            <a:r>
-              <a:t/>
+              <a:t>date acumulate periodic, stocate în .txt și prezentate pe grafice; ferestre cu camera (face mesh) și punctul estimat de privire</a:t>
             </a:r>
             <a:endParaRPr b="0" i="0" sz="2900" u="none" cap="none" strike="noStrike">
               <a:solidFill>
@@ -14036,7 +14847,7 @@
   <p:cSld>
     <p:spTree>
       <p:nvGrpSpPr>
-        <p:cNvPr id="145" name="Shape 145"/>
+        <p:cNvPr id="150" name="Shape 150"/>
         <p:cNvGrpSpPr/>
         <p:nvPr/>
       </p:nvGrpSpPr>
@@ -14050,7 +14861,293 @@
       </p:grpSpPr>
       <p:sp>
         <p:nvSpPr>
-          <p:cNvPr id="146" name="Google Shape;146;p6"/>
+          <p:cNvPr id="151" name="Google Shape;151;g31700e3cd0e_0_51"/>
+          <p:cNvSpPr/>
+          <p:nvPr/>
+        </p:nvSpPr>
+        <p:spPr>
+          <a:xfrm>
+            <a:off x="17262711" y="0"/>
+            <a:ext cx="1025289" cy="1025289"/>
+          </a:xfrm>
+          <a:custGeom>
+            <a:rect b="b" l="l" r="r" t="t"/>
+            <a:pathLst>
+              <a:path extrusionOk="0" h="1025289" w="1025289">
+                <a:moveTo>
+                  <a:pt x="0" y="0"/>
+                </a:moveTo>
+                <a:lnTo>
+                  <a:pt x="1025289" y="0"/>
+                </a:lnTo>
+                <a:lnTo>
+                  <a:pt x="1025289" y="1025289"/>
+                </a:lnTo>
+                <a:lnTo>
+                  <a:pt x="0" y="1025289"/>
+                </a:lnTo>
+                <a:lnTo>
+                  <a:pt x="0" y="0"/>
+                </a:lnTo>
+                <a:close/>
+              </a:path>
+            </a:pathLst>
+          </a:custGeom>
+          <a:blipFill rotWithShape="1">
+            <a:blip r:embed="rId3">
+              <a:alphaModFix/>
+            </a:blip>
+            <a:stretch>
+              <a:fillRect b="0" l="0" r="0" t="0"/>
+            </a:stretch>
+          </a:blipFill>
+          <a:ln>
+            <a:noFill/>
+          </a:ln>
+        </p:spPr>
+      </p:sp>
+      <p:pic>
+        <p:nvPicPr>
+          <p:cNvPr id="152" name="Google Shape;152;g31700e3cd0e_0_51"/>
+          <p:cNvPicPr preferRelativeResize="0"/>
+          <p:nvPr/>
+        </p:nvPicPr>
+        <p:blipFill>
+          <a:blip r:embed="rId4">
+            <a:alphaModFix/>
+          </a:blip>
+          <a:stretch>
+            <a:fillRect/>
+          </a:stretch>
+        </p:blipFill>
+        <p:spPr>
+          <a:xfrm>
+            <a:off x="1531463" y="122049"/>
+            <a:ext cx="15225074" cy="10042900"/>
+          </a:xfrm>
+          <a:prstGeom prst="rect">
+            <a:avLst/>
+          </a:prstGeom>
+          <a:noFill/>
+          <a:ln>
+            <a:noFill/>
+          </a:ln>
+        </p:spPr>
+      </p:pic>
+      <p:sp>
+        <p:nvSpPr>
+          <p:cNvPr id="153" name="Google Shape;153;g31700e3cd0e_0_51"/>
+          <p:cNvSpPr/>
+          <p:nvPr/>
+        </p:nvSpPr>
+        <p:spPr>
+          <a:xfrm>
+            <a:off x="61620" y="0"/>
+            <a:ext cx="2255738" cy="960936"/>
+          </a:xfrm>
+          <a:custGeom>
+            <a:rect b="b" l="l" r="r" t="t"/>
+            <a:pathLst>
+              <a:path extrusionOk="0" h="960936" w="2255738">
+                <a:moveTo>
+                  <a:pt x="0" y="0"/>
+                </a:moveTo>
+                <a:lnTo>
+                  <a:pt x="2255738" y="0"/>
+                </a:lnTo>
+                <a:lnTo>
+                  <a:pt x="2255738" y="960936"/>
+                </a:lnTo>
+                <a:lnTo>
+                  <a:pt x="0" y="960936"/>
+                </a:lnTo>
+                <a:lnTo>
+                  <a:pt x="0" y="0"/>
+                </a:lnTo>
+                <a:close/>
+              </a:path>
+            </a:pathLst>
+          </a:custGeom>
+          <a:blipFill rotWithShape="1">
+            <a:blip r:embed="rId5">
+              <a:alphaModFix/>
+            </a:blip>
+            <a:stretch>
+              <a:fillRect b="0" l="0" r="0" t="0"/>
+            </a:stretch>
+          </a:blipFill>
+          <a:ln>
+            <a:noFill/>
+          </a:ln>
+        </p:spPr>
+      </p:sp>
+      <p:pic>
+        <p:nvPicPr>
+          <p:cNvPr id="154" name="Google Shape;154;g31700e3cd0e_0_51"/>
+          <p:cNvPicPr preferRelativeResize="0"/>
+          <p:nvPr/>
+        </p:nvPicPr>
+        <p:blipFill>
+          <a:blip r:embed="rId6">
+            <a:alphaModFix/>
+          </a:blip>
+          <a:stretch>
+            <a:fillRect/>
+          </a:stretch>
+        </p:blipFill>
+        <p:spPr>
+          <a:xfrm>
+            <a:off x="3187100" y="854925"/>
+            <a:ext cx="2070025" cy="2096399"/>
+          </a:xfrm>
+          <a:prstGeom prst="rect">
+            <a:avLst/>
+          </a:prstGeom>
+          <a:noFill/>
+          <a:ln>
+            <a:noFill/>
+          </a:ln>
+        </p:spPr>
+      </p:pic>
+      <p:pic>
+        <p:nvPicPr>
+          <p:cNvPr id="155" name="Google Shape;155;g31700e3cd0e_0_51"/>
+          <p:cNvPicPr preferRelativeResize="0"/>
+          <p:nvPr/>
+        </p:nvPicPr>
+        <p:blipFill rotWithShape="1">
+          <a:blip r:embed="rId7">
+            <a:alphaModFix/>
+          </a:blip>
+          <a:srcRect b="14471" l="0" r="0" t="0"/>
+          <a:stretch/>
+        </p:blipFill>
+        <p:spPr>
+          <a:xfrm>
+            <a:off x="7167750" y="1025300"/>
+            <a:ext cx="3179875" cy="2096400"/>
+          </a:xfrm>
+          <a:prstGeom prst="rect">
+            <a:avLst/>
+          </a:prstGeom>
+          <a:noFill/>
+          <a:ln>
+            <a:noFill/>
+          </a:ln>
+        </p:spPr>
+      </p:pic>
+      <p:sp>
+        <p:nvSpPr>
+          <p:cNvPr id="156" name="Google Shape;156;g31700e3cd0e_0_51"/>
+          <p:cNvSpPr/>
+          <p:nvPr/>
+        </p:nvSpPr>
+        <p:spPr>
+          <a:xfrm>
+            <a:off x="9287075" y="6454000"/>
+            <a:ext cx="378900" cy="1025400"/>
+          </a:xfrm>
+          <a:prstGeom prst="roundRect">
+            <a:avLst>
+              <a:gd fmla="val 16667" name="adj"/>
+            </a:avLst>
+          </a:prstGeom>
+          <a:solidFill>
+            <a:schemeClr val="lt1"/>
+          </a:solidFill>
+          <a:ln cap="flat" cmpd="sng" w="9525">
+            <a:solidFill>
+              <a:schemeClr val="lt1"/>
+            </a:solidFill>
+            <a:prstDash val="solid"/>
+            <a:round/>
+            <a:headEnd len="sm" w="sm" type="none"/>
+            <a:tailEnd len="sm" w="sm" type="none"/>
+          </a:ln>
+        </p:spPr>
+        <p:txBody>
+          <a:bodyPr anchorCtr="0" anchor="ctr" bIns="91425" lIns="91425" spcFirstLastPara="1" rIns="91425" wrap="square" tIns="91425">
+            <a:noAutofit/>
+          </a:bodyPr>
+          <a:lstStyle/>
+          <a:p>
+            <a:pPr indent="0" lvl="0" marL="0" rtl="0" algn="ctr">
+              <a:spcBef>
+                <a:spcPts val="0"/>
+              </a:spcBef>
+              <a:spcAft>
+                <a:spcPts val="0"/>
+              </a:spcAft>
+              <a:buNone/>
+            </a:pPr>
+            <a:r>
+              <a:t/>
+            </a:r>
+            <a:endParaRPr>
+              <a:latin typeface="Calibri"/>
+              <a:ea typeface="Calibri"/>
+              <a:cs typeface="Calibri"/>
+              <a:sym typeface="Calibri"/>
+            </a:endParaRPr>
+          </a:p>
+        </p:txBody>
+      </p:sp>
+      <p:pic>
+        <p:nvPicPr>
+          <p:cNvPr id="157" name="Google Shape;157;g31700e3cd0e_0_51"/>
+          <p:cNvPicPr preferRelativeResize="0"/>
+          <p:nvPr/>
+        </p:nvPicPr>
+        <p:blipFill>
+          <a:blip r:embed="rId8">
+            <a:alphaModFix/>
+          </a:blip>
+          <a:stretch>
+            <a:fillRect/>
+          </a:stretch>
+        </p:blipFill>
+        <p:spPr>
+          <a:xfrm>
+            <a:off x="15862238" y="2051925"/>
+            <a:ext cx="2425775" cy="2451150"/>
+          </a:xfrm>
+          <a:prstGeom prst="rect">
+            <a:avLst/>
+          </a:prstGeom>
+          <a:noFill/>
+          <a:ln>
+            <a:noFill/>
+          </a:ln>
+        </p:spPr>
+      </p:pic>
+    </p:spTree>
+  </p:cSld>
+  <p:clrMapOvr>
+    <a:masterClrMapping/>
+  </p:clrMapOvr>
+</p:sld>
+</file>
+
+<file path=ppt/slides/slide7.xml><?xml version="1.0" encoding="utf-8"?>
+<p:sld xmlns:a="http://schemas.openxmlformats.org/drawingml/2006/main" xmlns:r="http://schemas.openxmlformats.org/officeDocument/2006/relationships" xmlns:mc="http://schemas.openxmlformats.org/markup-compatibility/2006" xmlns:mv="urn:schemas-microsoft-com:mac:vml" xmlns:p="http://schemas.openxmlformats.org/presentationml/2006/main" xmlns:c="http://schemas.openxmlformats.org/drawingml/2006/chart" xmlns:dgm="http://schemas.openxmlformats.org/drawingml/2006/diagram" xmlns:o="urn:schemas-microsoft-com:office:office" xmlns:v="urn:schemas-microsoft-com:vml" xmlns:pvml="urn:schemas-microsoft-com:office:powerpoint" xmlns:com="http://schemas.openxmlformats.org/drawingml/2006/compatibility" xmlns:p14="http://schemas.microsoft.com/office/powerpoint/2010/main" xmlns:p15="http://schemas.microsoft.com/office/powerpoint/2012/main" xmlns:ahyp="http://schemas.microsoft.com/office/drawing/2018/hyperlinkcolor">
+  <p:cSld>
+    <p:spTree>
+      <p:nvGrpSpPr>
+        <p:cNvPr id="161" name="Shape 161"/>
+        <p:cNvGrpSpPr/>
+        <p:nvPr/>
+      </p:nvGrpSpPr>
+      <p:grpSpPr>
+        <a:xfrm>
+          <a:off x="0" y="0"/>
+          <a:ext cx="0" cy="0"/>
+          <a:chOff x="0" y="0"/>
+          <a:chExt cx="0" cy="0"/>
+        </a:xfrm>
+      </p:grpSpPr>
+      <p:sp>
+        <p:nvSpPr>
+          <p:cNvPr id="162" name="Google Shape;162;g31700e3cd0e_0_27"/>
           <p:cNvSpPr/>
           <p:nvPr/>
         </p:nvSpPr>
@@ -14097,7 +15194,529 @@
       </p:sp>
       <p:sp>
         <p:nvSpPr>
-          <p:cNvPr id="147" name="Google Shape;147;p6"/>
+          <p:cNvPr id="163" name="Google Shape;163;g31700e3cd0e_0_27"/>
+          <p:cNvSpPr/>
+          <p:nvPr/>
+        </p:nvSpPr>
+        <p:spPr>
+          <a:xfrm>
+            <a:off x="61620" y="0"/>
+            <a:ext cx="2255738" cy="960936"/>
+          </a:xfrm>
+          <a:custGeom>
+            <a:rect b="b" l="l" r="r" t="t"/>
+            <a:pathLst>
+              <a:path extrusionOk="0" h="960936" w="2255738">
+                <a:moveTo>
+                  <a:pt x="0" y="0"/>
+                </a:moveTo>
+                <a:lnTo>
+                  <a:pt x="2255738" y="0"/>
+                </a:lnTo>
+                <a:lnTo>
+                  <a:pt x="2255738" y="960936"/>
+                </a:lnTo>
+                <a:lnTo>
+                  <a:pt x="0" y="960936"/>
+                </a:lnTo>
+                <a:lnTo>
+                  <a:pt x="0" y="0"/>
+                </a:lnTo>
+                <a:close/>
+              </a:path>
+            </a:pathLst>
+          </a:custGeom>
+          <a:blipFill rotWithShape="1">
+            <a:blip r:embed="rId4">
+              <a:alphaModFix/>
+            </a:blip>
+            <a:stretch>
+              <a:fillRect b="0" l="0" r="0" t="0"/>
+            </a:stretch>
+          </a:blipFill>
+          <a:ln>
+            <a:noFill/>
+          </a:ln>
+        </p:spPr>
+      </p:sp>
+      <p:pic>
+        <p:nvPicPr>
+          <p:cNvPr id="164" name="Google Shape;164;g31700e3cd0e_0_27"/>
+          <p:cNvPicPr preferRelativeResize="0"/>
+          <p:nvPr/>
+        </p:nvPicPr>
+        <p:blipFill>
+          <a:blip r:embed="rId5">
+            <a:alphaModFix/>
+          </a:blip>
+          <a:stretch>
+            <a:fillRect/>
+          </a:stretch>
+        </p:blipFill>
+        <p:spPr>
+          <a:xfrm>
+            <a:off x="-317026" y="7560924"/>
+            <a:ext cx="3013025" cy="2726075"/>
+          </a:xfrm>
+          <a:prstGeom prst="rect">
+            <a:avLst/>
+          </a:prstGeom>
+          <a:noFill/>
+          <a:ln>
+            <a:noFill/>
+          </a:ln>
+        </p:spPr>
+      </p:pic>
+      <p:pic>
+        <p:nvPicPr>
+          <p:cNvPr id="165" name="Google Shape;165;g31700e3cd0e_0_27"/>
+          <p:cNvPicPr preferRelativeResize="0"/>
+          <p:nvPr/>
+        </p:nvPicPr>
+        <p:blipFill>
+          <a:blip r:embed="rId6">
+            <a:alphaModFix/>
+          </a:blip>
+          <a:stretch>
+            <a:fillRect/>
+          </a:stretch>
+        </p:blipFill>
+        <p:spPr>
+          <a:xfrm>
+            <a:off x="4838887" y="0"/>
+            <a:ext cx="8610219" cy="9686549"/>
+          </a:xfrm>
+          <a:prstGeom prst="rect">
+            <a:avLst/>
+          </a:prstGeom>
+          <a:noFill/>
+          <a:ln>
+            <a:noFill/>
+          </a:ln>
+        </p:spPr>
+      </p:pic>
+      <p:sp>
+        <p:nvSpPr>
+          <p:cNvPr id="166" name="Google Shape;166;g31700e3cd0e_0_27"/>
+          <p:cNvSpPr/>
+          <p:nvPr/>
+        </p:nvSpPr>
+        <p:spPr>
+          <a:xfrm>
+            <a:off x="4060250" y="4772300"/>
+            <a:ext cx="348600" cy="1969500"/>
+          </a:xfrm>
+          <a:prstGeom prst="upDownArrow">
+            <a:avLst>
+              <a:gd fmla="val 50000" name="adj1"/>
+              <a:gd fmla="val 50000" name="adj2"/>
+            </a:avLst>
+          </a:prstGeom>
+          <a:solidFill>
+            <a:srgbClr val="FF9900"/>
+          </a:solidFill>
+          <a:ln cap="flat" cmpd="sng" w="28575">
+            <a:solidFill>
+              <a:schemeClr val="dk1"/>
+            </a:solidFill>
+            <a:prstDash val="solid"/>
+            <a:round/>
+            <a:headEnd len="sm" w="sm" type="none"/>
+            <a:tailEnd len="sm" w="sm" type="none"/>
+          </a:ln>
+        </p:spPr>
+        <p:txBody>
+          <a:bodyPr anchorCtr="0" anchor="ctr" bIns="91425" lIns="91425" spcFirstLastPara="1" rIns="91425" wrap="square" tIns="91425">
+            <a:noAutofit/>
+          </a:bodyPr>
+          <a:lstStyle/>
+          <a:p>
+            <a:pPr indent="0" lvl="0" marL="0" rtl="0" algn="ctr">
+              <a:spcBef>
+                <a:spcPts val="0"/>
+              </a:spcBef>
+              <a:spcAft>
+                <a:spcPts val="0"/>
+              </a:spcAft>
+              <a:buNone/>
+            </a:pPr>
+            <a:r>
+              <a:t/>
+            </a:r>
+            <a:endParaRPr>
+              <a:latin typeface="Calibri"/>
+              <a:ea typeface="Calibri"/>
+              <a:cs typeface="Calibri"/>
+              <a:sym typeface="Calibri"/>
+            </a:endParaRPr>
+          </a:p>
+        </p:txBody>
+      </p:sp>
+      <p:sp>
+        <p:nvSpPr>
+          <p:cNvPr id="167" name="Google Shape;167;g31700e3cd0e_0_27"/>
+          <p:cNvSpPr/>
+          <p:nvPr/>
+        </p:nvSpPr>
+        <p:spPr>
+          <a:xfrm>
+            <a:off x="6234450" y="9686550"/>
+            <a:ext cx="5878200" cy="461700"/>
+          </a:xfrm>
+          <a:prstGeom prst="leftRightArrow">
+            <a:avLst>
+              <a:gd fmla="val 50000" name="adj1"/>
+              <a:gd fmla="val 50000" name="adj2"/>
+            </a:avLst>
+          </a:prstGeom>
+          <a:solidFill>
+            <a:srgbClr val="FF9900"/>
+          </a:solidFill>
+          <a:ln cap="flat" cmpd="sng" w="28575">
+            <a:solidFill>
+              <a:schemeClr val="dk1"/>
+            </a:solidFill>
+            <a:prstDash val="solid"/>
+            <a:round/>
+            <a:headEnd len="sm" w="sm" type="none"/>
+            <a:tailEnd len="sm" w="sm" type="none"/>
+          </a:ln>
+        </p:spPr>
+        <p:txBody>
+          <a:bodyPr anchorCtr="0" anchor="ctr" bIns="91425" lIns="91425" spcFirstLastPara="1" rIns="91425" wrap="square" tIns="91425">
+            <a:noAutofit/>
+          </a:bodyPr>
+          <a:lstStyle/>
+          <a:p>
+            <a:pPr indent="0" lvl="0" marL="0" rtl="0" algn="ctr">
+              <a:spcBef>
+                <a:spcPts val="0"/>
+              </a:spcBef>
+              <a:spcAft>
+                <a:spcPts val="0"/>
+              </a:spcAft>
+              <a:buNone/>
+            </a:pPr>
+            <a:r>
+              <a:t/>
+            </a:r>
+            <a:endParaRPr>
+              <a:latin typeface="Calibri"/>
+              <a:ea typeface="Calibri"/>
+              <a:cs typeface="Calibri"/>
+              <a:sym typeface="Calibri"/>
+            </a:endParaRPr>
+          </a:p>
+        </p:txBody>
+      </p:sp>
+      <p:pic>
+        <p:nvPicPr>
+          <p:cNvPr id="168" name="Google Shape;168;g31700e3cd0e_0_27"/>
+          <p:cNvPicPr preferRelativeResize="0"/>
+          <p:nvPr/>
+        </p:nvPicPr>
+        <p:blipFill>
+          <a:blip r:embed="rId7">
+            <a:alphaModFix amt="50000"/>
+          </a:blip>
+          <a:stretch>
+            <a:fillRect/>
+          </a:stretch>
+        </p:blipFill>
+        <p:spPr>
+          <a:xfrm>
+            <a:off x="5723788" y="3908774"/>
+            <a:ext cx="6840400" cy="3344200"/>
+          </a:xfrm>
+          <a:prstGeom prst="rect">
+            <a:avLst/>
+          </a:prstGeom>
+          <a:noFill/>
+          <a:ln>
+            <a:noFill/>
+          </a:ln>
+        </p:spPr>
+      </p:pic>
+    </p:spTree>
+  </p:cSld>
+  <p:clrMapOvr>
+    <a:masterClrMapping/>
+  </p:clrMapOvr>
+</p:sld>
+</file>
+
+<file path=ppt/slides/slide8.xml><?xml version="1.0" encoding="utf-8"?>
+<p:sld xmlns:a="http://schemas.openxmlformats.org/drawingml/2006/main" xmlns:r="http://schemas.openxmlformats.org/officeDocument/2006/relationships" xmlns:mc="http://schemas.openxmlformats.org/markup-compatibility/2006" xmlns:mv="urn:schemas-microsoft-com:mac:vml" xmlns:p="http://schemas.openxmlformats.org/presentationml/2006/main" xmlns:c="http://schemas.openxmlformats.org/drawingml/2006/chart" xmlns:dgm="http://schemas.openxmlformats.org/drawingml/2006/diagram" xmlns:o="urn:schemas-microsoft-com:office:office" xmlns:v="urn:schemas-microsoft-com:vml" xmlns:pvml="urn:schemas-microsoft-com:office:powerpoint" xmlns:com="http://schemas.openxmlformats.org/drawingml/2006/compatibility" xmlns:p14="http://schemas.microsoft.com/office/powerpoint/2010/main" xmlns:p15="http://schemas.microsoft.com/office/powerpoint/2012/main" xmlns:ahyp="http://schemas.microsoft.com/office/drawing/2018/hyperlinkcolor">
+  <p:cSld>
+    <p:spTree>
+      <p:nvGrpSpPr>
+        <p:cNvPr id="172" name="Shape 172"/>
+        <p:cNvGrpSpPr/>
+        <p:nvPr/>
+      </p:nvGrpSpPr>
+      <p:grpSpPr>
+        <a:xfrm>
+          <a:off x="0" y="0"/>
+          <a:ext cx="0" cy="0"/>
+          <a:chOff x="0" y="0"/>
+          <a:chExt cx="0" cy="0"/>
+        </a:xfrm>
+      </p:grpSpPr>
+      <p:pic>
+        <p:nvPicPr>
+          <p:cNvPr id="173" name="Google Shape;173;g31700e3cd0e_0_78"/>
+          <p:cNvPicPr preferRelativeResize="0"/>
+          <p:nvPr/>
+        </p:nvPicPr>
+        <p:blipFill>
+          <a:blip r:embed="rId3">
+            <a:alphaModFix/>
+          </a:blip>
+          <a:stretch>
+            <a:fillRect/>
+          </a:stretch>
+        </p:blipFill>
+        <p:spPr>
+          <a:xfrm>
+            <a:off x="772125" y="1704850"/>
+            <a:ext cx="16743750" cy="6877300"/>
+          </a:xfrm>
+          <a:prstGeom prst="rect">
+            <a:avLst/>
+          </a:prstGeom>
+          <a:noFill/>
+          <a:ln>
+            <a:noFill/>
+          </a:ln>
+        </p:spPr>
+      </p:pic>
+      <p:sp>
+        <p:nvSpPr>
+          <p:cNvPr id="174" name="Google Shape;174;g31700e3cd0e_0_78"/>
+          <p:cNvSpPr/>
+          <p:nvPr/>
+        </p:nvSpPr>
+        <p:spPr>
+          <a:xfrm>
+            <a:off x="17262711" y="0"/>
+            <a:ext cx="1025289" cy="1025289"/>
+          </a:xfrm>
+          <a:custGeom>
+            <a:rect b="b" l="l" r="r" t="t"/>
+            <a:pathLst>
+              <a:path extrusionOk="0" h="1025289" w="1025289">
+                <a:moveTo>
+                  <a:pt x="0" y="0"/>
+                </a:moveTo>
+                <a:lnTo>
+                  <a:pt x="1025289" y="0"/>
+                </a:lnTo>
+                <a:lnTo>
+                  <a:pt x="1025289" y="1025289"/>
+                </a:lnTo>
+                <a:lnTo>
+                  <a:pt x="0" y="1025289"/>
+                </a:lnTo>
+                <a:lnTo>
+                  <a:pt x="0" y="0"/>
+                </a:lnTo>
+                <a:close/>
+              </a:path>
+            </a:pathLst>
+          </a:custGeom>
+          <a:blipFill rotWithShape="1">
+            <a:blip r:embed="rId4">
+              <a:alphaModFix/>
+            </a:blip>
+            <a:stretch>
+              <a:fillRect b="0" l="0" r="0" t="0"/>
+            </a:stretch>
+          </a:blipFill>
+          <a:ln>
+            <a:noFill/>
+          </a:ln>
+        </p:spPr>
+      </p:sp>
+      <p:sp>
+        <p:nvSpPr>
+          <p:cNvPr id="175" name="Google Shape;175;g31700e3cd0e_0_78"/>
+          <p:cNvSpPr/>
+          <p:nvPr/>
+        </p:nvSpPr>
+        <p:spPr>
+          <a:xfrm>
+            <a:off x="61620" y="0"/>
+            <a:ext cx="2255738" cy="960936"/>
+          </a:xfrm>
+          <a:custGeom>
+            <a:rect b="b" l="l" r="r" t="t"/>
+            <a:pathLst>
+              <a:path extrusionOk="0" h="960936" w="2255738">
+                <a:moveTo>
+                  <a:pt x="0" y="0"/>
+                </a:moveTo>
+                <a:lnTo>
+                  <a:pt x="2255738" y="0"/>
+                </a:lnTo>
+                <a:lnTo>
+                  <a:pt x="2255738" y="960936"/>
+                </a:lnTo>
+                <a:lnTo>
+                  <a:pt x="0" y="960936"/>
+                </a:lnTo>
+                <a:lnTo>
+                  <a:pt x="0" y="0"/>
+                </a:lnTo>
+                <a:close/>
+              </a:path>
+            </a:pathLst>
+          </a:custGeom>
+          <a:blipFill rotWithShape="1">
+            <a:blip r:embed="rId5">
+              <a:alphaModFix/>
+            </a:blip>
+            <a:stretch>
+              <a:fillRect b="0" l="0" r="0" t="0"/>
+            </a:stretch>
+          </a:blipFill>
+          <a:ln>
+            <a:noFill/>
+          </a:ln>
+        </p:spPr>
+      </p:sp>
+      <p:sp>
+        <p:nvSpPr>
+          <p:cNvPr id="176" name="Google Shape;176;g31700e3cd0e_0_78"/>
+          <p:cNvSpPr txBox="1"/>
+          <p:nvPr/>
+        </p:nvSpPr>
+        <p:spPr>
+          <a:xfrm>
+            <a:off x="4415105" y="1181650"/>
+            <a:ext cx="9457800" cy="523200"/>
+          </a:xfrm>
+          <a:prstGeom prst="rect">
+            <a:avLst/>
+          </a:prstGeom>
+          <a:noFill/>
+          <a:ln>
+            <a:noFill/>
+          </a:ln>
+        </p:spPr>
+        <p:txBody>
+          <a:bodyPr anchorCtr="0" anchor="t" bIns="0" lIns="0" spcFirstLastPara="1" rIns="0" wrap="square" tIns="0">
+            <a:spAutoFit/>
+          </a:bodyPr>
+          <a:lstStyle/>
+          <a:p>
+            <a:pPr indent="0" lvl="0" marL="0" marR="0" rtl="0" algn="l">
+              <a:lnSpc>
+                <a:spcPct val="140011"/>
+              </a:lnSpc>
+              <a:spcBef>
+                <a:spcPts val="0"/>
+              </a:spcBef>
+              <a:spcAft>
+                <a:spcPts val="0"/>
+              </a:spcAft>
+              <a:buNone/>
+            </a:pPr>
+            <a:r>
+              <a:rPr b="1" lang="en-US" sz="3399">
+                <a:latin typeface="Space Mono"/>
+                <a:ea typeface="Space Mono"/>
+                <a:cs typeface="Space Mono"/>
+                <a:sym typeface="Space Mono"/>
+              </a:rPr>
+              <a:t>Logging la fiecare 5 secunde în .txt</a:t>
+            </a:r>
+            <a:endParaRPr b="0" i="0" sz="2900" u="none" cap="none" strike="noStrike">
+              <a:solidFill>
+                <a:srgbClr val="FF0000"/>
+              </a:solidFill>
+              <a:latin typeface="Space Mono"/>
+              <a:ea typeface="Space Mono"/>
+              <a:cs typeface="Space Mono"/>
+              <a:sym typeface="Space Mono"/>
+            </a:endParaRPr>
+          </a:p>
+        </p:txBody>
+      </p:sp>
+    </p:spTree>
+  </p:cSld>
+  <p:clrMapOvr>
+    <a:masterClrMapping/>
+  </p:clrMapOvr>
+</p:sld>
+</file>
+
+<file path=ppt/slides/slide9.xml><?xml version="1.0" encoding="utf-8"?>
+<p:sld xmlns:a="http://schemas.openxmlformats.org/drawingml/2006/main" xmlns:r="http://schemas.openxmlformats.org/officeDocument/2006/relationships" xmlns:mc="http://schemas.openxmlformats.org/markup-compatibility/2006" xmlns:mv="urn:schemas-microsoft-com:mac:vml" xmlns:p="http://schemas.openxmlformats.org/presentationml/2006/main" xmlns:c="http://schemas.openxmlformats.org/drawingml/2006/chart" xmlns:dgm="http://schemas.openxmlformats.org/drawingml/2006/diagram" xmlns:o="urn:schemas-microsoft-com:office:office" xmlns:v="urn:schemas-microsoft-com:vml" xmlns:pvml="urn:schemas-microsoft-com:office:powerpoint" xmlns:com="http://schemas.openxmlformats.org/drawingml/2006/compatibility" xmlns:p14="http://schemas.microsoft.com/office/powerpoint/2010/main" xmlns:p15="http://schemas.microsoft.com/office/powerpoint/2012/main" xmlns:ahyp="http://schemas.microsoft.com/office/drawing/2018/hyperlinkcolor">
+  <p:cSld>
+    <p:spTree>
+      <p:nvGrpSpPr>
+        <p:cNvPr id="180" name="Shape 180"/>
+        <p:cNvGrpSpPr/>
+        <p:nvPr/>
+      </p:nvGrpSpPr>
+      <p:grpSpPr>
+        <a:xfrm>
+          <a:off x="0" y="0"/>
+          <a:ext cx="0" cy="0"/>
+          <a:chOff x="0" y="0"/>
+          <a:chExt cx="0" cy="0"/>
+        </a:xfrm>
+      </p:grpSpPr>
+      <p:sp>
+        <p:nvSpPr>
+          <p:cNvPr id="181" name="Google Shape;181;p6"/>
+          <p:cNvSpPr/>
+          <p:nvPr/>
+        </p:nvSpPr>
+        <p:spPr>
+          <a:xfrm>
+            <a:off x="17262711" y="0"/>
+            <a:ext cx="1025289" cy="1025289"/>
+          </a:xfrm>
+          <a:custGeom>
+            <a:rect b="b" l="l" r="r" t="t"/>
+            <a:pathLst>
+              <a:path extrusionOk="0" h="1025289" w="1025289">
+                <a:moveTo>
+                  <a:pt x="0" y="0"/>
+                </a:moveTo>
+                <a:lnTo>
+                  <a:pt x="1025289" y="0"/>
+                </a:lnTo>
+                <a:lnTo>
+                  <a:pt x="1025289" y="1025289"/>
+                </a:lnTo>
+                <a:lnTo>
+                  <a:pt x="0" y="1025289"/>
+                </a:lnTo>
+                <a:lnTo>
+                  <a:pt x="0" y="0"/>
+                </a:lnTo>
+                <a:close/>
+              </a:path>
+            </a:pathLst>
+          </a:custGeom>
+          <a:blipFill rotWithShape="1">
+            <a:blip r:embed="rId3">
+              <a:alphaModFix/>
+            </a:blip>
+            <a:stretch>
+              <a:fillRect b="0" l="0" r="0" t="0"/>
+            </a:stretch>
+          </a:blipFill>
+          <a:ln>
+            <a:noFill/>
+          </a:ln>
+        </p:spPr>
+      </p:sp>
+      <p:sp>
+        <p:nvSpPr>
+          <p:cNvPr id="182" name="Google Shape;182;p6"/>
           <p:cNvSpPr/>
           <p:nvPr/>
         </p:nvSpPr>
@@ -14144,14 +15763,14 @@
       </p:sp>
       <p:sp>
         <p:nvSpPr>
-          <p:cNvPr id="148" name="Google Shape;148;p6"/>
+          <p:cNvPr id="183" name="Google Shape;183;p6"/>
           <p:cNvSpPr txBox="1"/>
           <p:nvPr/>
         </p:nvSpPr>
         <p:spPr>
           <a:xfrm>
             <a:off x="0" y="-44452"/>
-            <a:ext cx="18288000" cy="1111252"/>
+            <a:ext cx="18288000" cy="692400"/>
           </a:xfrm>
           <a:prstGeom prst="rect">
             <a:avLst/>
@@ -14167,7 +15786,7 @@
           </a:bodyPr>
           <a:lstStyle/>
           <a:p>
-            <a:pPr indent="0" lvl="0" marL="0" marR="0" rtl="0" algn="ctr">
+            <a:pPr indent="0" lvl="0" marL="0" rtl="0" algn="ctr">
               <a:lnSpc>
                 <a:spcPct val="140006"/>
               </a:lnSpc>
@@ -14180,7 +15799,7 @@
               <a:buNone/>
             </a:pPr>
             <a:r>
-              <a:rPr b="1" i="0" lang="en-US" sz="6499" u="none" cap="none" strike="noStrike">
+              <a:rPr b="1" lang="en-US" sz="4499">
                 <a:solidFill>
                   <a:srgbClr val="1C375A"/>
                 </a:solidFill>
@@ -14189,15 +15808,23 @@
                 <a:cs typeface="Space Mono"/>
                 <a:sym typeface="Space Mono"/>
               </a:rPr>
-              <a:t>Titlu - Proiect</a:t>
+              <a:t>Analiza atenției pe baza imaginilor</a:t>
             </a:r>
-            <a:endParaRPr/>
+            <a:endParaRPr b="1" sz="6499">
+              <a:solidFill>
+                <a:srgbClr val="1C375A"/>
+              </a:solidFill>
+              <a:latin typeface="Space Mono"/>
+              <a:ea typeface="Space Mono"/>
+              <a:cs typeface="Space Mono"/>
+              <a:sym typeface="Space Mono"/>
+            </a:endParaRPr>
           </a:p>
         </p:txBody>
       </p:sp>
       <p:sp>
         <p:nvSpPr>
-          <p:cNvPr id="149" name="Google Shape;149;p6"/>
+          <p:cNvPr id="184" name="Google Shape;184;p6"/>
           <p:cNvSpPr txBox="1"/>
           <p:nvPr/>
         </p:nvSpPr>
@@ -14250,7 +15877,7 @@
       </p:sp>
       <p:sp>
         <p:nvSpPr>
-          <p:cNvPr id="150" name="Google Shape;150;p6"/>
+          <p:cNvPr id="185" name="Google Shape;185;p6"/>
           <p:cNvSpPr txBox="1"/>
           <p:nvPr/>
         </p:nvSpPr>
@@ -14303,14 +15930,14 @@
       </p:sp>
       <p:sp>
         <p:nvSpPr>
-          <p:cNvPr id="151" name="Google Shape;151;p6"/>
+          <p:cNvPr id="186" name="Google Shape;186;p6"/>
           <p:cNvSpPr txBox="1"/>
           <p:nvPr/>
         </p:nvSpPr>
         <p:spPr>
           <a:xfrm>
             <a:off x="571812" y="2242820"/>
-            <a:ext cx="17203544" cy="7435215"/>
+            <a:ext cx="17203500" cy="6383400"/>
           </a:xfrm>
           <a:prstGeom prst="rect">
             <a:avLst/>
@@ -14356,21 +15983,27 @@
               <a:t>Rezumatul progresului: </a:t>
             </a:r>
             <a:r>
-              <a:rPr b="0" i="0" lang="en-US" sz="3399" u="none" cap="none" strike="noStrike">
-                <a:solidFill>
-                  <a:srgbClr val="000000"/>
-                </a:solidFill>
+              <a:rPr lang="en-US" sz="3399">
                 <a:latin typeface="Space Mono"/>
                 <a:ea typeface="Space Mono"/>
                 <a:cs typeface="Space Mono"/>
                 <a:sym typeface="Space Mono"/>
               </a:rPr>
-              <a:t>Sumarizați cele mai importante lucruri realizate până acum.</a:t>
+              <a:t>categorizarea simplă a atenției pe baza unor </a:t>
+            </a:r>
+            <a:r>
+              <a:rPr lang="en-US" sz="3399">
+                <a:latin typeface="Space Mono"/>
+                <a:ea typeface="Space Mono"/>
+                <a:cs typeface="Space Mono"/>
+                <a:sym typeface="Space Mono"/>
+              </a:rPr>
+              <a:t>factori oculari</a:t>
             </a:r>
             <a:endParaRPr/>
           </a:p>
           <a:p>
-            <a:pPr indent="-367029" lvl="1" marL="734058" marR="0" rtl="0" algn="l">
+            <a:pPr indent="-367028" lvl="1" marL="734057" marR="0" rtl="0" algn="l">
               <a:lnSpc>
                 <a:spcPct val="140011"/>
               </a:lnSpc>
@@ -14397,24 +16030,110 @@
                 <a:cs typeface="Space Mono"/>
                 <a:sym typeface="Space Mono"/>
               </a:rPr>
-              <a:t>Limitările soluției actuale: </a:t>
+              <a:t>Limitările soluției actuale:</a:t>
             </a:r>
+            <a:endParaRPr b="1" sz="3399">
+              <a:latin typeface="Space Mono"/>
+              <a:ea typeface="Space Mono"/>
+              <a:cs typeface="Space Mono"/>
+              <a:sym typeface="Space Mono"/>
+            </a:endParaRPr>
+          </a:p>
+          <a:p>
+            <a:pPr indent="-444436" lvl="0" marL="914400" marR="0" rtl="0" algn="l">
+              <a:lnSpc>
+                <a:spcPct val="140011"/>
+              </a:lnSpc>
+              <a:spcBef>
+                <a:spcPts val="0"/>
+              </a:spcBef>
+              <a:spcAft>
+                <a:spcPts val="0"/>
+              </a:spcAft>
+              <a:buSzPts val="3399"/>
+              <a:buFont typeface="Space Mono"/>
+              <a:buChar char="-"/>
+            </a:pPr>
             <a:r>
-              <a:rPr b="0" i="0" lang="en-US" sz="3399" u="none" cap="none" strike="noStrike">
-                <a:solidFill>
-                  <a:srgbClr val="000000"/>
-                </a:solidFill>
+              <a:rPr lang="en-US" sz="3399">
                 <a:latin typeface="Space Mono"/>
                 <a:ea typeface="Space Mono"/>
                 <a:cs typeface="Space Mono"/>
                 <a:sym typeface="Space Mono"/>
               </a:rPr>
-              <a:t>Menționați limitările sau provocările întâlnite.</a:t>
+              <a:t>ochi mai mici → EAR mai mic</a:t>
             </a:r>
-            <a:endParaRPr/>
+            <a:endParaRPr sz="3399">
+              <a:latin typeface="Space Mono"/>
+              <a:ea typeface="Space Mono"/>
+              <a:cs typeface="Space Mono"/>
+              <a:sym typeface="Space Mono"/>
+            </a:endParaRPr>
           </a:p>
           <a:p>
-            <a:pPr indent="-367029" lvl="1" marL="734058" marR="0" rtl="0" algn="l">
+            <a:pPr indent="-444436" lvl="0" marL="914400" marR="0" rtl="0" algn="l">
+              <a:lnSpc>
+                <a:spcPct val="140011"/>
+              </a:lnSpc>
+              <a:spcBef>
+                <a:spcPts val="0"/>
+              </a:spcBef>
+              <a:spcAft>
+                <a:spcPts val="0"/>
+              </a:spcAft>
+              <a:buSzPts val="3399"/>
+              <a:buFont typeface="Space Mono"/>
+              <a:buChar char="-"/>
+            </a:pPr>
+            <a:r>
+              <a:rPr lang="en-US" sz="3399">
+                <a:latin typeface="Space Mono"/>
+                <a:ea typeface="Space Mono"/>
+                <a:cs typeface="Space Mono"/>
+                <a:sym typeface="Space Mono"/>
+              </a:rPr>
+              <a:t>lumină proastă/privit în sus = irisul nu este detectat</a:t>
+            </a:r>
+            <a:endParaRPr sz="3399">
+              <a:latin typeface="Space Mono"/>
+              <a:ea typeface="Space Mono"/>
+              <a:cs typeface="Space Mono"/>
+              <a:sym typeface="Space Mono"/>
+            </a:endParaRPr>
+          </a:p>
+          <a:p>
+            <a:pPr indent="-444436" lvl="0" marL="914400" marR="0" rtl="0" algn="l">
+              <a:lnSpc>
+                <a:spcPct val="140011"/>
+              </a:lnSpc>
+              <a:spcBef>
+                <a:spcPts val="0"/>
+              </a:spcBef>
+              <a:spcAft>
+                <a:spcPts val="0"/>
+              </a:spcAft>
+              <a:buSzPts val="3399"/>
+              <a:buFont typeface="Space Mono"/>
+              <a:buChar char="-"/>
+            </a:pPr>
+            <a:r>
+              <a:rPr lang="en-US" sz="3399">
+                <a:latin typeface="Space Mono"/>
+                <a:ea typeface="Space Mono"/>
+                <a:cs typeface="Space Mono"/>
+                <a:sym typeface="Space Mono"/>
+              </a:rPr>
+              <a:t>privitul tastaturii = EAR scade</a:t>
+            </a:r>
+            <a:endParaRPr sz="3399">
+              <a:latin typeface="Space Mono"/>
+              <a:ea typeface="Space Mono"/>
+              <a:cs typeface="Space Mono"/>
+              <a:sym typeface="Space Mono"/>
+            </a:endParaRPr>
+          </a:p>
+          <a:p>
+            <a:pPr indent="-367028" lvl="1" marL="734057" marR="0" rtl="0" algn="l">
               <a:lnSpc>
                 <a:spcPct val="140011"/>
               </a:lnSpc>
@@ -14444,680 +16163,13 @@
               <a:t>Potențiale îmbunătățiri: </a:t>
             </a:r>
             <a:r>
-              <a:rPr b="0" i="0" lang="en-US" sz="3399" u="none" cap="none" strike="noStrike">
-                <a:solidFill>
-                  <a:srgbClr val="000000"/>
-                </a:solidFill>
+              <a:rPr lang="en-US" sz="3399">
                 <a:latin typeface="Space Mono"/>
                 <a:ea typeface="Space Mono"/>
                 <a:cs typeface="Space Mono"/>
                 <a:sym typeface="Space Mono"/>
               </a:rPr>
-              <a:t>Scurtă descriere a modurilor în care soluția ar putea fi îmbunătățită.</a:t>
-            </a:r>
-            <a:endParaRPr/>
-          </a:p>
-          <a:p>
-            <a:pPr indent="0" lvl="0" marL="0" marR="0" rtl="0" algn="l">
-              <a:lnSpc>
-                <a:spcPct val="140011"/>
-              </a:lnSpc>
-              <a:spcBef>
-                <a:spcPts val="0"/>
-              </a:spcBef>
-              <a:spcAft>
-                <a:spcPts val="0"/>
-              </a:spcAft>
-              <a:buNone/>
-            </a:pPr>
-            <a:r>
-              <a:t/>
-            </a:r>
-            <a:endParaRPr b="0" i="0" sz="3399" u="none" cap="none" strike="noStrike">
-              <a:solidFill>
-                <a:srgbClr val="000000"/>
-              </a:solidFill>
-              <a:latin typeface="Space Mono"/>
-              <a:ea typeface="Space Mono"/>
-              <a:cs typeface="Space Mono"/>
-              <a:sym typeface="Space Mono"/>
-            </a:endParaRPr>
-          </a:p>
-          <a:p>
-            <a:pPr indent="0" lvl="0" marL="0" marR="0" rtl="0" algn="l">
-              <a:lnSpc>
-                <a:spcPct val="140011"/>
-              </a:lnSpc>
-              <a:spcBef>
-                <a:spcPts val="0"/>
-              </a:spcBef>
-              <a:spcAft>
-                <a:spcPts val="0"/>
-              </a:spcAft>
-              <a:buNone/>
-            </a:pPr>
-            <a:r>
-              <a:t/>
-            </a:r>
-            <a:endParaRPr b="0" i="0" sz="3399" u="none" cap="none" strike="noStrike">
-              <a:solidFill>
-                <a:srgbClr val="000000"/>
-              </a:solidFill>
-              <a:latin typeface="Space Mono"/>
-              <a:ea typeface="Space Mono"/>
-              <a:cs typeface="Space Mono"/>
-              <a:sym typeface="Space Mono"/>
-            </a:endParaRPr>
-          </a:p>
-          <a:p>
-            <a:pPr indent="0" lvl="0" marL="0" marR="0" rtl="0" algn="l">
-              <a:lnSpc>
-                <a:spcPct val="140011"/>
-              </a:lnSpc>
-              <a:spcBef>
-                <a:spcPts val="0"/>
-              </a:spcBef>
-              <a:spcAft>
-                <a:spcPts val="0"/>
-              </a:spcAft>
-              <a:buNone/>
-            </a:pPr>
-            <a:r>
-              <a:t/>
-            </a:r>
-            <a:endParaRPr b="0" i="0" sz="3399" u="none" cap="none" strike="noStrike">
-              <a:solidFill>
-                <a:srgbClr val="000000"/>
-              </a:solidFill>
-              <a:latin typeface="Space Mono"/>
-              <a:ea typeface="Space Mono"/>
-              <a:cs typeface="Space Mono"/>
-              <a:sym typeface="Space Mono"/>
-            </a:endParaRPr>
-          </a:p>
-          <a:p>
-            <a:pPr indent="0" lvl="0" marL="0" marR="0" rtl="0" algn="just">
-              <a:lnSpc>
-                <a:spcPct val="140000"/>
-              </a:lnSpc>
-              <a:spcBef>
-                <a:spcPts val="0"/>
-              </a:spcBef>
-              <a:spcAft>
-                <a:spcPts val="0"/>
-              </a:spcAft>
-              <a:buNone/>
-            </a:pPr>
-            <a:r>
-              <a:rPr b="0" i="0" lang="en-US" sz="2900" u="none" cap="none" strike="noStrike">
-                <a:solidFill>
-                  <a:srgbClr val="FF0000"/>
-                </a:solidFill>
-                <a:latin typeface="Space Mono"/>
-                <a:ea typeface="Space Mono"/>
-                <a:cs typeface="Space Mono"/>
-                <a:sym typeface="Space Mono"/>
-              </a:rPr>
-              <a:t>Aici, trebuie să sintetizați ceea ce ați realizat și să reflectați asupra limitelor soluției actuale. Această secțiune vă ajută la înțelegerea progresului și a zonelor care necesită îmbunătățiri.</a:t>
-            </a:r>
-            <a:endParaRPr/>
-          </a:p>
-          <a:p>
-            <a:pPr indent="0" lvl="0" marL="0" marR="0" rtl="0" algn="just">
-              <a:lnSpc>
-                <a:spcPct val="140000"/>
-              </a:lnSpc>
-              <a:spcBef>
-                <a:spcPts val="0"/>
-              </a:spcBef>
-              <a:spcAft>
-                <a:spcPts val="0"/>
-              </a:spcAft>
-              <a:buNone/>
-            </a:pPr>
-            <a:r>
-              <a:t/>
-            </a:r>
-            <a:endParaRPr b="0" i="0" sz="2900" u="none" cap="none" strike="noStrike">
-              <a:solidFill>
-                <a:srgbClr val="FF0000"/>
-              </a:solidFill>
-              <a:latin typeface="Space Mono"/>
-              <a:ea typeface="Space Mono"/>
-              <a:cs typeface="Space Mono"/>
-              <a:sym typeface="Space Mono"/>
-            </a:endParaRPr>
-          </a:p>
-        </p:txBody>
-      </p:sp>
-    </p:spTree>
-  </p:cSld>
-  <p:clrMapOvr>
-    <a:masterClrMapping/>
-  </p:clrMapOvr>
-</p:sld>
-</file>
-
-<file path=ppt/slides/slide7.xml><?xml version="1.0" encoding="utf-8"?>
-<p:sld xmlns:a="http://schemas.openxmlformats.org/drawingml/2006/main" xmlns:r="http://schemas.openxmlformats.org/officeDocument/2006/relationships" xmlns:mc="http://schemas.openxmlformats.org/markup-compatibility/2006" xmlns:mv="urn:schemas-microsoft-com:mac:vml" xmlns:p="http://schemas.openxmlformats.org/presentationml/2006/main" xmlns:c="http://schemas.openxmlformats.org/drawingml/2006/chart" xmlns:dgm="http://schemas.openxmlformats.org/drawingml/2006/diagram" xmlns:o="urn:schemas-microsoft-com:office:office" xmlns:v="urn:schemas-microsoft-com:vml" xmlns:pvml="urn:schemas-microsoft-com:office:powerpoint" xmlns:com="http://schemas.openxmlformats.org/drawingml/2006/compatibility" xmlns:p14="http://schemas.microsoft.com/office/powerpoint/2010/main" xmlns:p15="http://schemas.microsoft.com/office/powerpoint/2012/main" xmlns:ahyp="http://schemas.microsoft.com/office/drawing/2018/hyperlinkcolor">
-  <p:cSld>
-    <p:spTree>
-      <p:nvGrpSpPr>
-        <p:cNvPr id="155" name="Shape 155"/>
-        <p:cNvGrpSpPr/>
-        <p:nvPr/>
-      </p:nvGrpSpPr>
-      <p:grpSpPr>
-        <a:xfrm>
-          <a:off x="0" y="0"/>
-          <a:ext cx="0" cy="0"/>
-          <a:chOff x="0" y="0"/>
-          <a:chExt cx="0" cy="0"/>
-        </a:xfrm>
-      </p:grpSpPr>
-      <p:sp>
-        <p:nvSpPr>
-          <p:cNvPr id="156" name="Google Shape;156;p7"/>
-          <p:cNvSpPr/>
-          <p:nvPr/>
-        </p:nvSpPr>
-        <p:spPr>
-          <a:xfrm>
-            <a:off x="17262711" y="0"/>
-            <a:ext cx="1025289" cy="1025289"/>
-          </a:xfrm>
-          <a:custGeom>
-            <a:rect b="b" l="l" r="r" t="t"/>
-            <a:pathLst>
-              <a:path extrusionOk="0" h="1025289" w="1025289">
-                <a:moveTo>
-                  <a:pt x="0" y="0"/>
-                </a:moveTo>
-                <a:lnTo>
-                  <a:pt x="1025289" y="0"/>
-                </a:lnTo>
-                <a:lnTo>
-                  <a:pt x="1025289" y="1025289"/>
-                </a:lnTo>
-                <a:lnTo>
-                  <a:pt x="0" y="1025289"/>
-                </a:lnTo>
-                <a:lnTo>
-                  <a:pt x="0" y="0"/>
-                </a:lnTo>
-                <a:close/>
-              </a:path>
-            </a:pathLst>
-          </a:custGeom>
-          <a:blipFill rotWithShape="1">
-            <a:blip r:embed="rId3">
-              <a:alphaModFix/>
-            </a:blip>
-            <a:stretch>
-              <a:fillRect b="0" l="0" r="0" t="0"/>
-            </a:stretch>
-          </a:blipFill>
-          <a:ln>
-            <a:noFill/>
-          </a:ln>
-        </p:spPr>
-      </p:sp>
-      <p:sp>
-        <p:nvSpPr>
-          <p:cNvPr id="157" name="Google Shape;157;p7"/>
-          <p:cNvSpPr/>
-          <p:nvPr/>
-        </p:nvSpPr>
-        <p:spPr>
-          <a:xfrm>
-            <a:off x="61620" y="0"/>
-            <a:ext cx="2255738" cy="960936"/>
-          </a:xfrm>
-          <a:custGeom>
-            <a:rect b="b" l="l" r="r" t="t"/>
-            <a:pathLst>
-              <a:path extrusionOk="0" h="960936" w="2255738">
-                <a:moveTo>
-                  <a:pt x="0" y="0"/>
-                </a:moveTo>
-                <a:lnTo>
-                  <a:pt x="2255738" y="0"/>
-                </a:lnTo>
-                <a:lnTo>
-                  <a:pt x="2255738" y="960936"/>
-                </a:lnTo>
-                <a:lnTo>
-                  <a:pt x="0" y="960936"/>
-                </a:lnTo>
-                <a:lnTo>
-                  <a:pt x="0" y="0"/>
-                </a:lnTo>
-                <a:close/>
-              </a:path>
-            </a:pathLst>
-          </a:custGeom>
-          <a:blipFill rotWithShape="1">
-            <a:blip r:embed="rId4">
-              <a:alphaModFix/>
-            </a:blip>
-            <a:stretch>
-              <a:fillRect b="0" l="0" r="0" t="0"/>
-            </a:stretch>
-          </a:blipFill>
-          <a:ln>
-            <a:noFill/>
-          </a:ln>
-        </p:spPr>
-      </p:sp>
-      <p:sp>
-        <p:nvSpPr>
-          <p:cNvPr id="158" name="Google Shape;158;p7"/>
-          <p:cNvSpPr txBox="1"/>
-          <p:nvPr/>
-        </p:nvSpPr>
-        <p:spPr>
-          <a:xfrm>
-            <a:off x="0" y="-44452"/>
-            <a:ext cx="18288000" cy="1111252"/>
-          </a:xfrm>
-          <a:prstGeom prst="rect">
-            <a:avLst/>
-          </a:prstGeom>
-          <a:noFill/>
-          <a:ln>
-            <a:noFill/>
-          </a:ln>
-        </p:spPr>
-        <p:txBody>
-          <a:bodyPr anchorCtr="0" anchor="t" bIns="0" lIns="0" spcFirstLastPara="1" rIns="0" wrap="square" tIns="0">
-            <a:spAutoFit/>
-          </a:bodyPr>
-          <a:lstStyle/>
-          <a:p>
-            <a:pPr indent="0" lvl="0" marL="0" marR="0" rtl="0" algn="ctr">
-              <a:lnSpc>
-                <a:spcPct val="140006"/>
-              </a:lnSpc>
-              <a:spcBef>
-                <a:spcPts val="0"/>
-              </a:spcBef>
-              <a:spcAft>
-                <a:spcPts val="0"/>
-              </a:spcAft>
-              <a:buNone/>
-            </a:pPr>
-            <a:r>
-              <a:rPr b="1" i="0" lang="en-US" sz="6499" u="none" cap="none" strike="noStrike">
-                <a:solidFill>
-                  <a:srgbClr val="1C375A"/>
-                </a:solidFill>
-                <a:latin typeface="Space Mono"/>
-                <a:ea typeface="Space Mono"/>
-                <a:cs typeface="Space Mono"/>
-                <a:sym typeface="Space Mono"/>
-              </a:rPr>
-              <a:t>Titlu - Proiect</a:t>
-            </a:r>
-            <a:endParaRPr/>
-          </a:p>
-        </p:txBody>
-      </p:sp>
-      <p:sp>
-        <p:nvSpPr>
-          <p:cNvPr id="159" name="Google Shape;159;p7"/>
-          <p:cNvSpPr txBox="1"/>
-          <p:nvPr/>
-        </p:nvSpPr>
-        <p:spPr>
-          <a:xfrm>
-            <a:off x="61620" y="9686541"/>
-            <a:ext cx="18226380" cy="523875"/>
-          </a:xfrm>
-          <a:prstGeom prst="rect">
-            <a:avLst/>
-          </a:prstGeom>
-          <a:noFill/>
-          <a:ln>
-            <a:noFill/>
-          </a:ln>
-        </p:spPr>
-        <p:txBody>
-          <a:bodyPr anchorCtr="0" anchor="t" bIns="0" lIns="0" spcFirstLastPara="1" rIns="0" wrap="square" tIns="0">
-            <a:spAutoFit/>
-          </a:bodyPr>
-          <a:lstStyle/>
-          <a:p>
-            <a:pPr indent="0" lvl="0" marL="0" marR="0" rtl="0" algn="ctr">
-              <a:lnSpc>
-                <a:spcPct val="140000"/>
-              </a:lnSpc>
-              <a:spcBef>
-                <a:spcPts val="0"/>
-              </a:spcBef>
-              <a:spcAft>
-                <a:spcPts val="0"/>
-              </a:spcAft>
-              <a:buNone/>
-            </a:pPr>
-            <a:r>
-              <a:rPr b="1" i="0" lang="en-US" sz="3000" u="none" cap="none" strike="noStrike">
-                <a:solidFill>
-                  <a:srgbClr val="A6B5C2"/>
-                </a:solidFill>
-                <a:latin typeface="Space Mono"/>
-                <a:ea typeface="Space Mono"/>
-                <a:cs typeface="Space Mono"/>
-                <a:sym typeface="Space Mono"/>
-              </a:rPr>
-              <a:t>Prelucrarea Imaginilor - Proiect, 2024</a:t>
-            </a:r>
-            <a:endParaRPr/>
-          </a:p>
-        </p:txBody>
-      </p:sp>
-      <p:sp>
-        <p:nvSpPr>
-          <p:cNvPr id="160" name="Google Shape;160;p7"/>
-          <p:cNvSpPr txBox="1"/>
-          <p:nvPr/>
-        </p:nvSpPr>
-        <p:spPr>
-          <a:xfrm>
-            <a:off x="0" y="1009650"/>
-            <a:ext cx="17775356" cy="1009652"/>
-          </a:xfrm>
-          <a:prstGeom prst="rect">
-            <a:avLst/>
-          </a:prstGeom>
-          <a:noFill/>
-          <a:ln>
-            <a:noFill/>
-          </a:ln>
-        </p:spPr>
-        <p:txBody>
-          <a:bodyPr anchorCtr="0" anchor="t" bIns="0" lIns="0" spcFirstLastPara="1" rIns="0" wrap="square" tIns="0">
-            <a:spAutoFit/>
-          </a:bodyPr>
-          <a:lstStyle/>
-          <a:p>
-            <a:pPr indent="0" lvl="0" marL="0" marR="0" rtl="0" algn="l">
-              <a:lnSpc>
-                <a:spcPct val="140006"/>
-              </a:lnSpc>
-              <a:spcBef>
-                <a:spcPts val="0"/>
-              </a:spcBef>
-              <a:spcAft>
-                <a:spcPts val="0"/>
-              </a:spcAft>
-              <a:buNone/>
-            </a:pPr>
-            <a:r>
-              <a:rPr b="1" i="0" lang="en-US" sz="5999" u="none" cap="none" strike="noStrike">
-                <a:solidFill>
-                  <a:srgbClr val="2E5375"/>
-                </a:solidFill>
-                <a:latin typeface="Space Mono"/>
-                <a:ea typeface="Space Mono"/>
-                <a:cs typeface="Space Mono"/>
-                <a:sym typeface="Space Mono"/>
-              </a:rPr>
-              <a:t>6. Direcții Viitoare</a:t>
-            </a:r>
-            <a:endParaRPr/>
-          </a:p>
-        </p:txBody>
-      </p:sp>
-      <p:sp>
-        <p:nvSpPr>
-          <p:cNvPr id="161" name="Google Shape;161;p7"/>
-          <p:cNvSpPr txBox="1"/>
-          <p:nvPr/>
-        </p:nvSpPr>
-        <p:spPr>
-          <a:xfrm>
-            <a:off x="571812" y="2242820"/>
-            <a:ext cx="17203544" cy="7349490"/>
-          </a:xfrm>
-          <a:prstGeom prst="rect">
-            <a:avLst/>
-          </a:prstGeom>
-          <a:noFill/>
-          <a:ln>
-            <a:noFill/>
-          </a:ln>
-        </p:spPr>
-        <p:txBody>
-          <a:bodyPr anchorCtr="0" anchor="t" bIns="0" lIns="0" spcFirstLastPara="1" rIns="0" wrap="square" tIns="0">
-            <a:spAutoFit/>
-          </a:bodyPr>
-          <a:lstStyle/>
-          <a:p>
-            <a:pPr indent="-367029" lvl="1" marL="734058" marR="0" rtl="0" algn="l">
-              <a:lnSpc>
-                <a:spcPct val="140011"/>
-              </a:lnSpc>
-              <a:spcBef>
-                <a:spcPts val="0"/>
-              </a:spcBef>
-              <a:spcAft>
-                <a:spcPts val="0"/>
-              </a:spcAft>
-              <a:buClr>
-                <a:srgbClr val="000000"/>
-              </a:buClr>
-              <a:buSzPts val="3399"/>
-              <a:buFont typeface="Arial"/>
-              <a:buChar char="•"/>
-            </a:pPr>
-            <a:r>
-              <a:rPr b="1" i="0" lang="en-US" sz="3399" u="none" cap="none" strike="noStrike">
-                <a:solidFill>
-                  <a:srgbClr val="000000"/>
-                </a:solidFill>
-                <a:latin typeface="Space Mono"/>
-                <a:ea typeface="Space Mono"/>
-                <a:cs typeface="Space Mono"/>
-                <a:sym typeface="Space Mono"/>
-              </a:rPr>
-              <a:t>Pași următori: </a:t>
-            </a:r>
-            <a:r>
-              <a:rPr b="0" i="0" lang="en-US" sz="3399" u="none" cap="none" strike="noStrike">
-                <a:solidFill>
-                  <a:srgbClr val="000000"/>
-                </a:solidFill>
-                <a:latin typeface="Space Mono"/>
-                <a:ea typeface="Space Mono"/>
-                <a:cs typeface="Space Mono"/>
-                <a:sym typeface="Space Mono"/>
-              </a:rPr>
-              <a:t>Enumerați pașii concreți pe care îi veți urma până la raportul final.</a:t>
-            </a:r>
-            <a:endParaRPr/>
-          </a:p>
-          <a:p>
-            <a:pPr indent="-367029" lvl="1" marL="734058" marR="0" rtl="0" algn="l">
-              <a:lnSpc>
-                <a:spcPct val="140011"/>
-              </a:lnSpc>
-              <a:spcBef>
-                <a:spcPts val="0"/>
-              </a:spcBef>
-              <a:spcAft>
-                <a:spcPts val="0"/>
-              </a:spcAft>
-              <a:buClr>
-                <a:srgbClr val="000000"/>
-              </a:buClr>
-              <a:buSzPts val="3399"/>
-              <a:buFont typeface="Arial"/>
-              <a:buChar char="•"/>
-            </a:pPr>
-            <a:r>
-              <a:rPr b="1" i="0" lang="en-US" sz="3399" u="none" cap="none" strike="noStrike">
-                <a:solidFill>
-                  <a:srgbClr val="000000"/>
-                </a:solidFill>
-                <a:latin typeface="Space Mono"/>
-                <a:ea typeface="Space Mono"/>
-                <a:cs typeface="Space Mono"/>
-                <a:sym typeface="Space Mono"/>
-              </a:rPr>
-              <a:t>Plan de implementare: </a:t>
-            </a:r>
-            <a:r>
-              <a:rPr b="0" i="0" lang="en-US" sz="3399" u="none" cap="none" strike="noStrike">
-                <a:solidFill>
-                  <a:srgbClr val="000000"/>
-                </a:solidFill>
-                <a:latin typeface="Space Mono"/>
-                <a:ea typeface="Space Mono"/>
-                <a:cs typeface="Space Mono"/>
-                <a:sym typeface="Space Mono"/>
-              </a:rPr>
-              <a:t>Scurtă descriere a modului în care veți implementa îmbunătățirile identificate.</a:t>
-            </a:r>
-            <a:endParaRPr/>
-          </a:p>
-          <a:p>
-            <a:pPr indent="-367029" lvl="1" marL="734058" marR="0" rtl="0" algn="l">
-              <a:lnSpc>
-                <a:spcPct val="140011"/>
-              </a:lnSpc>
-              <a:spcBef>
-                <a:spcPts val="0"/>
-              </a:spcBef>
-              <a:spcAft>
-                <a:spcPts val="0"/>
-              </a:spcAft>
-              <a:buClr>
-                <a:srgbClr val="000000"/>
-              </a:buClr>
-              <a:buSzPts val="3399"/>
-              <a:buFont typeface="Arial"/>
-              <a:buChar char="•"/>
-            </a:pPr>
-            <a:r>
-              <a:rPr b="1" i="0" lang="en-US" sz="3399" u="none" cap="none" strike="noStrike">
-                <a:solidFill>
-                  <a:srgbClr val="000000"/>
-                </a:solidFill>
-                <a:latin typeface="Space Mono"/>
-                <a:ea typeface="Space Mono"/>
-                <a:cs typeface="Space Mono"/>
-                <a:sym typeface="Space Mono"/>
-              </a:rPr>
-              <a:t>Obiectivele finale: </a:t>
-            </a:r>
-            <a:r>
-              <a:rPr b="0" i="0" lang="en-US" sz="3399" u="none" cap="none" strike="noStrike">
-                <a:solidFill>
-                  <a:srgbClr val="000000"/>
-                </a:solidFill>
-                <a:latin typeface="Space Mono"/>
-                <a:ea typeface="Space Mono"/>
-                <a:cs typeface="Space Mono"/>
-                <a:sym typeface="Space Mono"/>
-              </a:rPr>
-              <a:t>Explicați ce ați dori să obțineți până la finalul proiectului.</a:t>
-            </a:r>
-            <a:endParaRPr/>
-          </a:p>
-          <a:p>
-            <a:pPr indent="0" lvl="0" marL="0" marR="0" rtl="0" algn="l">
-              <a:lnSpc>
-                <a:spcPct val="140011"/>
-              </a:lnSpc>
-              <a:spcBef>
-                <a:spcPts val="0"/>
-              </a:spcBef>
-              <a:spcAft>
-                <a:spcPts val="0"/>
-              </a:spcAft>
-              <a:buNone/>
-            </a:pPr>
-            <a:r>
-              <a:t/>
-            </a:r>
-            <a:endParaRPr b="0" i="0" sz="3399" u="none" cap="none" strike="noStrike">
-              <a:solidFill>
-                <a:srgbClr val="000000"/>
-              </a:solidFill>
-              <a:latin typeface="Space Mono"/>
-              <a:ea typeface="Space Mono"/>
-              <a:cs typeface="Space Mono"/>
-              <a:sym typeface="Space Mono"/>
-            </a:endParaRPr>
-          </a:p>
-          <a:p>
-            <a:pPr indent="0" lvl="0" marL="0" marR="0" rtl="0" algn="l">
-              <a:lnSpc>
-                <a:spcPct val="140011"/>
-              </a:lnSpc>
-              <a:spcBef>
-                <a:spcPts val="0"/>
-              </a:spcBef>
-              <a:spcAft>
-                <a:spcPts val="0"/>
-              </a:spcAft>
-              <a:buNone/>
-            </a:pPr>
-            <a:r>
-              <a:t/>
-            </a:r>
-            <a:endParaRPr b="0" i="0" sz="3399" u="none" cap="none" strike="noStrike">
-              <a:solidFill>
-                <a:srgbClr val="000000"/>
-              </a:solidFill>
-              <a:latin typeface="Space Mono"/>
-              <a:ea typeface="Space Mono"/>
-              <a:cs typeface="Space Mono"/>
-              <a:sym typeface="Space Mono"/>
-            </a:endParaRPr>
-          </a:p>
-          <a:p>
-            <a:pPr indent="0" lvl="0" marL="0" marR="0" rtl="0" algn="just">
-              <a:lnSpc>
-                <a:spcPct val="140000"/>
-              </a:lnSpc>
-              <a:spcBef>
-                <a:spcPts val="0"/>
-              </a:spcBef>
-              <a:spcAft>
-                <a:spcPts val="0"/>
-              </a:spcAft>
-              <a:buNone/>
-            </a:pPr>
-            <a:r>
-              <a:rPr b="0" i="0" lang="en-US" sz="2900" u="none" cap="none" strike="noStrike">
-                <a:solidFill>
-                  <a:srgbClr val="FF0000"/>
-                </a:solidFill>
-                <a:latin typeface="Space Mono"/>
-                <a:ea typeface="Space Mono"/>
-                <a:cs typeface="Space Mono"/>
-                <a:sym typeface="Space Mono"/>
-              </a:rPr>
-              <a:t>Acest ultim slide este destinat planificării următoarelor etape și stabilirii unor obiective clare pentru finalizarea proiectului. Acest aspect ajută la structurarea taskurilor rămase și oferă o imagine de ansamblu asupra direcției în care se îndreaptă proiectul.</a:t>
-            </a:r>
-            <a:endParaRPr/>
-          </a:p>
-          <a:p>
-            <a:pPr indent="0" lvl="0" marL="0" marR="0" rtl="0" algn="just">
-              <a:lnSpc>
-                <a:spcPct val="140000"/>
-              </a:lnSpc>
-              <a:spcBef>
-                <a:spcPts val="0"/>
-              </a:spcBef>
-              <a:spcAft>
-                <a:spcPts val="0"/>
-              </a:spcAft>
-              <a:buNone/>
-            </a:pPr>
-            <a:r>
-              <a:t/>
+              <a:t>detecția irisului (cerc în loc de punct), stabilizarea punctului de privire (mediere), maparea privirii pe întreg ecranul</a:t>
             </a:r>
             <a:endParaRPr b="0" i="0" sz="2900" u="none" cap="none" strike="noStrike">
               <a:solidFill>
